--- a/Presentation/2차 발표자료.pptx
+++ b/Presentation/2차 발표자료.pptx
@@ -1,30 +1,30 @@
 
 <file path=ppt/presentation.xml><?xml version="1.0" encoding="utf-8"?>
-<p:presentation xmlns:r="http://schemas.openxmlformats.org/officeDocument/2006/relationships" xmlns:c="http://schemas.openxmlformats.org/drawingml/2006/chart" xmlns:a="http://schemas.openxmlformats.org/drawingml/2006/main" xmlns:dgm="http://schemas.openxmlformats.org/drawingml/2006/diagram" xmlns:dsp="http://schemas.microsoft.com/office/drawing/2008/diagram" xmlns:p="http://schemas.openxmlformats.org/presentationml/2006/main">
+<p:presentation xmlns:a="http://schemas.openxmlformats.org/drawingml/2006/main" xmlns:r="http://schemas.openxmlformats.org/officeDocument/2006/relationships" xmlns:p="http://schemas.openxmlformats.org/presentationml/2006/main">
   <p:sldMasterIdLst>
     <p:sldMasterId id="2147483684" r:id="rId1"/>
     <p:sldMasterId id="2147483685" r:id="rId2"/>
   </p:sldMasterIdLst>
   <p:notesMasterIdLst>
-    <p:notesMasterId r:id="rId3"/>
+    <p:notesMasterId r:id="rId19"/>
   </p:notesMasterIdLst>
   <p:sldIdLst>
-    <p:sldId id="256" r:id="rId4"/>
-    <p:sldId id="257" r:id="rId5"/>
-    <p:sldId id="258" r:id="rId6"/>
-    <p:sldId id="259" r:id="rId7"/>
-    <p:sldId id="260" r:id="rId8"/>
-    <p:sldId id="261" r:id="rId9"/>
-    <p:sldId id="262" r:id="rId10"/>
-    <p:sldId id="263" r:id="rId11"/>
-    <p:sldId id="264" r:id="rId12"/>
-    <p:sldId id="265" r:id="rId13"/>
-    <p:sldId id="266" r:id="rId14"/>
-    <p:sldId id="267" r:id="rId15"/>
-    <p:sldId id="268" r:id="rId16"/>
-    <p:sldId id="269" r:id="rId17"/>
-    <p:sldId id="270" r:id="rId18"/>
-    <p:sldId id="271" r:id="rId19"/>
+    <p:sldId id="256" r:id="rId3"/>
+    <p:sldId id="257" r:id="rId4"/>
+    <p:sldId id="258" r:id="rId5"/>
+    <p:sldId id="259" r:id="rId6"/>
+    <p:sldId id="260" r:id="rId7"/>
+    <p:sldId id="261" r:id="rId8"/>
+    <p:sldId id="262" r:id="rId9"/>
+    <p:sldId id="263" r:id="rId10"/>
+    <p:sldId id="264" r:id="rId11"/>
+    <p:sldId id="265" r:id="rId12"/>
+    <p:sldId id="266" r:id="rId13"/>
+    <p:sldId id="267" r:id="rId14"/>
+    <p:sldId id="268" r:id="rId15"/>
+    <p:sldId id="269" r:id="rId16"/>
+    <p:sldId id="270" r:id="rId17"/>
+    <p:sldId id="271" r:id="rId18"/>
   </p:sldIdLst>
   <p:sldSz cx="12192000" cy="6858000"/>
   <p:notesSz cx="6858000" cy="9144000"/>
@@ -123,11 +123,27 @@
       </a:defRPr>
     </a:lvl9pPr>
   </p:defaultTextStyle>
+  <p:extLst>
+    <p:ext uri="{EFAFB233-063F-42B5-8137-9DF3F51BA10A}">
+      <p15:sldGuideLst xmlns:p15="http://schemas.microsoft.com/office/powerpoint/2012/main">
+        <p15:guide id="1" orient="horz" pos="2159">
+          <p15:clr>
+            <a:srgbClr val="A4A3A4"/>
+          </p15:clr>
+        </p15:guide>
+        <p15:guide id="2" pos="3840">
+          <p15:clr>
+            <a:srgbClr val="A4A3A4"/>
+          </p15:clr>
+        </p15:guide>
+      </p15:sldGuideLst>
+    </p:ext>
+  </p:extLst>
 </p:presentation>
 </file>
 
 <file path=ppt/notesMasters/notesMaster1.xml><?xml version="1.0" encoding="utf-8"?>
-<p:notesMaster xmlns:r="http://schemas.openxmlformats.org/officeDocument/2006/relationships" xmlns:c="http://schemas.openxmlformats.org/drawingml/2006/chart" xmlns:a="http://schemas.openxmlformats.org/drawingml/2006/main" xmlns:dgm="http://schemas.openxmlformats.org/drawingml/2006/diagram" xmlns:dsp="http://schemas.microsoft.com/office/drawing/2008/diagram" xmlns:p="http://schemas.openxmlformats.org/presentationml/2006/main">
+<p:notesMaster xmlns:a="http://schemas.openxmlformats.org/drawingml/2006/main" xmlns:r="http://schemas.openxmlformats.org/officeDocument/2006/relationships" xmlns:p="http://schemas.openxmlformats.org/presentationml/2006/main">
   <p:cSld>
     <p:bg>
       <p:bgRef idx="1001">
@@ -155,7 +171,7 @@
             <a:spLocks noGrp="1"/>
           </p:cNvSpPr>
           <p:nvPr>
-            <p:ph type="hdr" sz="quarter" idx="0"/>
+            <p:ph type="hdr" sz="quarter"/>
           </p:nvPr>
         </p:nvSpPr>
         <p:spPr>
@@ -178,10 +194,6 @@
             <a:pPr lvl="0">
               <a:defRPr/>
             </a:pPr>
-            <a:r>
-              <a:rPr lang="ko-KR" altLang="en-US"/>
-              <a:t/>
-            </a:r>
             <a:endParaRPr lang="ko-KR" altLang="en-US"/>
           </a:p>
         </p:txBody>
@@ -221,7 +233,7 @@
               <a:pPr lvl="0">
                 <a:defRPr/>
               </a:pPr>
-              <a:t>2018-11-07</a:t>
+              <a:t>2018-11-08</a:t>
             </a:fld>
             <a:endParaRPr lang="ko-KR" altLang="en-US"/>
           </a:p>
@@ -293,7 +305,6 @@
               <a:rPr lang="ko-KR" altLang="en-US"/>
               <a:t>마스터 텍스트 스타일을 편집합니다</a:t>
             </a:r>
-            <a:endParaRPr lang="ko-KR" altLang="en-US"/>
           </a:p>
           <a:p>
             <a:pPr lvl="1">
@@ -303,7 +314,6 @@
               <a:rPr lang="ko-KR" altLang="en-US"/>
               <a:t>둘째 수준</a:t>
             </a:r>
-            <a:endParaRPr lang="ko-KR" altLang="en-US"/>
           </a:p>
           <a:p>
             <a:pPr lvl="2">
@@ -313,7 +323,6 @@
               <a:rPr lang="ko-KR" altLang="en-US"/>
               <a:t>셋째 수준</a:t>
             </a:r>
-            <a:endParaRPr lang="ko-KR" altLang="en-US"/>
           </a:p>
           <a:p>
             <a:pPr lvl="3">
@@ -323,7 +332,6 @@
               <a:rPr lang="ko-KR" altLang="en-US"/>
               <a:t>넷째 수준</a:t>
             </a:r>
-            <a:endParaRPr lang="ko-KR" altLang="en-US"/>
           </a:p>
           <a:p>
             <a:pPr lvl="4">
@@ -333,7 +341,6 @@
               <a:rPr lang="ko-KR" altLang="en-US"/>
               <a:t>다섯째 수준</a:t>
             </a:r>
-            <a:endParaRPr lang="ko-KR" altLang="en-US"/>
           </a:p>
         </p:txBody>
       </p:sp>
@@ -367,10 +374,6 @@
             <a:pPr lvl="0">
               <a:defRPr/>
             </a:pPr>
-            <a:r>
-              <a:rPr lang="ko-KR" altLang="en-US"/>
-              <a:t/>
-            </a:r>
             <a:endParaRPr lang="ko-KR" altLang="en-US"/>
           </a:p>
         </p:txBody>
@@ -516,7 +519,7 @@
 </file>
 
 <file path=ppt/notesSlides/notesSlide1.xml><?xml version="1.0" encoding="utf-8"?>
-<p:notes xmlns:r="http://schemas.openxmlformats.org/officeDocument/2006/relationships" xmlns:c="http://schemas.openxmlformats.org/drawingml/2006/chart" xmlns:a="http://schemas.openxmlformats.org/drawingml/2006/main" xmlns:dgm="http://schemas.openxmlformats.org/drawingml/2006/diagram" xmlns:dsp="http://schemas.microsoft.com/office/drawing/2008/diagram" xmlns:p="http://schemas.openxmlformats.org/presentationml/2006/main">
+<p:notes xmlns:a="http://schemas.openxmlformats.org/drawingml/2006/main" xmlns:r="http://schemas.openxmlformats.org/officeDocument/2006/relationships" xmlns:p="http://schemas.openxmlformats.org/presentationml/2006/main">
   <p:cSld>
     <p:spTree>
       <p:nvGrpSpPr>
@@ -539,7 +542,7 @@
             <a:spLocks noGrp="1" noRot="1" noChangeAspect="1" noTextEdit="1"/>
           </p:cNvSpPr>
           <p:nvPr>
-            <p:ph type="sldImg" idx="0"/>
+            <p:ph type="sldImg"/>
           </p:nvPr>
         </p:nvSpPr>
         <p:spPr/>
@@ -588,7 +591,6 @@
               <a:rPr lang="ko-KR" altLang="en-US"/>
               <a:t>가 변경 후의 조회와 수정으로 나뉨</a:t>
             </a:r>
-            <a:endParaRPr lang="ko-KR" altLang="en-US"/>
           </a:p>
           <a:p>
             <a:pPr lvl="0">
@@ -606,7 +608,6 @@
               <a:rPr lang="ko-KR" altLang="en-US"/>
               <a:t>들이 조회와 수정으로 각각 나뉘고 </a:t>
             </a:r>
-            <a:endParaRPr lang="ko-KR" altLang="en-US"/>
           </a:p>
           <a:p>
             <a:pPr lvl="0">
@@ -662,7 +663,7 @@
 </file>
 
 <file path=ppt/notesSlides/notesSlide10.xml><?xml version="1.0" encoding="utf-8"?>
-<p:notes xmlns:r="http://schemas.openxmlformats.org/officeDocument/2006/relationships" xmlns:c="http://schemas.openxmlformats.org/drawingml/2006/chart" xmlns:a="http://schemas.openxmlformats.org/drawingml/2006/main" xmlns:dgm="http://schemas.openxmlformats.org/drawingml/2006/diagram" xmlns:dsp="http://schemas.microsoft.com/office/drawing/2008/diagram" xmlns:p="http://schemas.openxmlformats.org/presentationml/2006/main">
+<p:notes xmlns:a="http://schemas.openxmlformats.org/drawingml/2006/main" xmlns:r="http://schemas.openxmlformats.org/officeDocument/2006/relationships" xmlns:p="http://schemas.openxmlformats.org/presentationml/2006/main">
   <p:cSld>
     <p:spTree>
       <p:nvGrpSpPr>
@@ -722,7 +723,6 @@
               <a:rPr lang="ko-KR" altLang="en-US"/>
               <a:t>학생이 ReceptionDesk에 응시원서 작성[Make응시원서()]</a:t>
             </a:r>
-            <a:endParaRPr lang="ko-KR" altLang="en-US"/>
           </a:p>
           <a:p>
             <a:pPr>
@@ -732,7 +732,6 @@
               <a:rPr lang="ko-KR" altLang="en-US"/>
               <a:t>-&gt; ReceptionDesk에서 응시원서가 모든 정보들을 가지고 있는지 검사[HasAllInformation()] -&gt; 누락된 정보가 있으면[HasAllInformation()==false] false반환 =&gt; 응시원서 접수 실패</a:t>
             </a:r>
-            <a:endParaRPr lang="ko-KR" altLang="en-US"/>
           </a:p>
           <a:p>
             <a:pPr>
@@ -742,7 +741,6 @@
               <a:rPr lang="ko-KR" altLang="en-US"/>
               <a:t>-&gt; ReceptionDesk에서 학생성적이 기준성적보다 높은지 교환학생 프로그램을 통해 확인[IsValidGrade()] -&gt; 성적이 기준에 못미치면  false반환 =&gt; 응시원서 접수 실패</a:t>
             </a:r>
-            <a:endParaRPr lang="ko-KR" altLang="en-US"/>
           </a:p>
           <a:p>
             <a:pPr>
@@ -752,7 +750,6 @@
               <a:rPr lang="ko-KR" altLang="en-US"/>
               <a:t>-&gt; 성적이 만족되면 true반환 -&gt; ReceptionDesk에서 응시원서 생성[create] -&gt; 응시원서가 ReceptionDesk와 교환학생 프로그램으로 각각 Add됨[AddTolList응시원서()]</a:t>
             </a:r>
-            <a:endParaRPr lang="ko-KR" altLang="en-US"/>
           </a:p>
           <a:p>
             <a:pPr>
@@ -762,7 +759,6 @@
               <a:rPr lang="ko-KR" altLang="en-US"/>
               <a:t> </a:t>
             </a:r>
-            <a:endParaRPr lang="ko-KR" altLang="en-US"/>
           </a:p>
         </p:txBody>
       </p:sp>
@@ -804,7 +800,7 @@
 </file>
 
 <file path=ppt/notesSlides/notesSlide11.xml><?xml version="1.0" encoding="utf-8"?>
-<p:notes xmlns:r="http://schemas.openxmlformats.org/officeDocument/2006/relationships" xmlns:c="http://schemas.openxmlformats.org/drawingml/2006/chart" xmlns:a="http://schemas.openxmlformats.org/drawingml/2006/main" xmlns:dgm="http://schemas.openxmlformats.org/drawingml/2006/diagram" xmlns:dsp="http://schemas.microsoft.com/office/drawing/2008/diagram" xmlns:p="http://schemas.openxmlformats.org/presentationml/2006/main">
+<p:notes xmlns:a="http://schemas.openxmlformats.org/drawingml/2006/main" xmlns:r="http://schemas.openxmlformats.org/officeDocument/2006/relationships" xmlns:p="http://schemas.openxmlformats.org/presentationml/2006/main">
   <p:cSld>
     <p:spTree>
       <p:nvGrpSpPr>
@@ -864,7 +860,6 @@
               <a:rPr lang="ko-KR" altLang="en-US"/>
               <a:t>학생이 ReceptionDesk에 응시원서 작성[Make응시원서()]</a:t>
             </a:r>
-            <a:endParaRPr lang="ko-KR" altLang="en-US"/>
           </a:p>
           <a:p>
             <a:pPr>
@@ -874,7 +869,6 @@
               <a:rPr lang="ko-KR" altLang="en-US"/>
               <a:t>-&gt; ReceptionDesk에서 응시원서가 모든 정보들을 가지고 있는지 검사[HasAllInformation()] -&gt; 누락된 정보가 있으면[HasAllInformation()==false] false반환 =&gt; 응시원서 접수 실패</a:t>
             </a:r>
-            <a:endParaRPr lang="ko-KR" altLang="en-US"/>
           </a:p>
           <a:p>
             <a:pPr>
@@ -884,7 +878,6 @@
               <a:rPr lang="ko-KR" altLang="en-US"/>
               <a:t>-&gt; ReceptionDesk에서 학생성적이 기준성적보다 높은지 교환학생 프로그램을 통해 확인[IsValidGrade()] -&gt; 성적이 기준에 못미치면  false반환 =&gt; 응시원서 접수 실패</a:t>
             </a:r>
-            <a:endParaRPr lang="ko-KR" altLang="en-US"/>
           </a:p>
           <a:p>
             <a:pPr>
@@ -894,7 +887,6 @@
               <a:rPr lang="ko-KR" altLang="en-US"/>
               <a:t>-&gt; 성적이 만족되면 true반환 -&gt; ReceptionDesk에서 응시원서 생성[create]</a:t>
             </a:r>
-            <a:endParaRPr lang="ko-KR" altLang="en-US"/>
           </a:p>
           <a:p>
             <a:pPr>
@@ -904,7 +896,6 @@
               <a:rPr lang="ko-KR" altLang="en-US"/>
               <a:t>-&gt; 응시원서가 ReceptionDesk와 교환학생 프로그램으로 각각 Add됨[AddTolList응시원서()]</a:t>
             </a:r>
-            <a:endParaRPr lang="ko-KR" altLang="en-US"/>
           </a:p>
           <a:p>
             <a:pPr>
@@ -914,7 +905,6 @@
               <a:rPr lang="ko-KR" altLang="en-US"/>
               <a:t> </a:t>
             </a:r>
-            <a:endParaRPr lang="ko-KR" altLang="en-US"/>
           </a:p>
         </p:txBody>
       </p:sp>
@@ -956,7 +946,7 @@
 </file>
 
 <file path=ppt/notesSlides/notesSlide12.xml><?xml version="1.0" encoding="utf-8"?>
-<p:notes xmlns:r="http://schemas.openxmlformats.org/officeDocument/2006/relationships" xmlns:c="http://schemas.openxmlformats.org/drawingml/2006/chart" xmlns:a="http://schemas.openxmlformats.org/drawingml/2006/main" xmlns:dgm="http://schemas.openxmlformats.org/drawingml/2006/diagram" xmlns:dsp="http://schemas.microsoft.com/office/drawing/2008/diagram" xmlns:p="http://schemas.openxmlformats.org/presentationml/2006/main">
+<p:notes xmlns:a="http://schemas.openxmlformats.org/drawingml/2006/main" xmlns:r="http://schemas.openxmlformats.org/officeDocument/2006/relationships" xmlns:p="http://schemas.openxmlformats.org/presentationml/2006/main">
   <p:cSld>
     <p:spTree>
       <p:nvGrpSpPr>
@@ -979,7 +969,7 @@
             <a:spLocks noGrp="1" noRot="1" noChangeAspect="1" noTextEdit="1"/>
           </p:cNvSpPr>
           <p:nvPr>
-            <p:ph type="sldImg" idx="0"/>
+            <p:ph type="sldImg"/>
           </p:nvPr>
         </p:nvSpPr>
         <p:spPr/>
@@ -1052,7 +1042,7 @@
 </file>
 
 <file path=ppt/notesSlides/notesSlide13.xml><?xml version="1.0" encoding="utf-8"?>
-<p:notes xmlns:r="http://schemas.openxmlformats.org/officeDocument/2006/relationships" xmlns:c="http://schemas.openxmlformats.org/drawingml/2006/chart" xmlns:a="http://schemas.openxmlformats.org/drawingml/2006/main" xmlns:dgm="http://schemas.openxmlformats.org/drawingml/2006/diagram" xmlns:dsp="http://schemas.microsoft.com/office/drawing/2008/diagram" xmlns:p="http://schemas.openxmlformats.org/presentationml/2006/main">
+<p:notes xmlns:a="http://schemas.openxmlformats.org/drawingml/2006/main" xmlns:r="http://schemas.openxmlformats.org/officeDocument/2006/relationships" xmlns:p="http://schemas.openxmlformats.org/presentationml/2006/main">
   <p:cSld>
     <p:spTree>
       <p:nvGrpSpPr>
@@ -1075,7 +1065,7 @@
             <a:spLocks noGrp="1" noRot="1" noChangeAspect="1" noTextEdit="1"/>
           </p:cNvSpPr>
           <p:nvPr>
-            <p:ph type="sldImg" idx="0"/>
+            <p:ph type="sldImg"/>
           </p:nvPr>
         </p:nvSpPr>
         <p:spPr/>
@@ -1098,10 +1088,6 @@
             <a:pPr lvl="0">
               <a:defRPr/>
             </a:pPr>
-            <a:r>
-              <a:rPr lang="ko-KR" altLang="en-US"/>
-              <a:t/>
-            </a:r>
             <a:endParaRPr lang="ko-KR" altLang="en-US"/>
           </a:p>
         </p:txBody>
@@ -1144,7 +1130,7 @@
 </file>
 
 <file path=ppt/notesSlides/notesSlide14.xml><?xml version="1.0" encoding="utf-8"?>
-<p:notes xmlns:r="http://schemas.openxmlformats.org/officeDocument/2006/relationships" xmlns:c="http://schemas.openxmlformats.org/drawingml/2006/chart" xmlns:a="http://schemas.openxmlformats.org/drawingml/2006/main" xmlns:dgm="http://schemas.openxmlformats.org/drawingml/2006/diagram" xmlns:dsp="http://schemas.microsoft.com/office/drawing/2008/diagram" xmlns:p="http://schemas.openxmlformats.org/presentationml/2006/main">
+<p:notes xmlns:a="http://schemas.openxmlformats.org/drawingml/2006/main" xmlns:r="http://schemas.openxmlformats.org/officeDocument/2006/relationships" xmlns:p="http://schemas.openxmlformats.org/presentationml/2006/main">
   <p:cSld>
     <p:spTree>
       <p:nvGrpSpPr>
@@ -1167,7 +1153,7 @@
             <a:spLocks noGrp="1" noRot="1" noChangeAspect="1" noTextEdit="1"/>
           </p:cNvSpPr>
           <p:nvPr>
-            <p:ph type="sldImg" idx="0"/>
+            <p:ph type="sldImg"/>
           </p:nvPr>
         </p:nvSpPr>
         <p:spPr/>
@@ -1194,7 +1180,6 @@
               <a:rPr lang="ko-KR" altLang="en-US"/>
               <a:t>향후 계획은</a:t>
             </a:r>
-            <a:endParaRPr lang="ko-KR" altLang="en-US"/>
           </a:p>
           <a:p>
             <a:pPr lvl="0">
@@ -1204,7 +1189,6 @@
               <a:rPr lang="ko-KR" altLang="en-US"/>
               <a:t>분석 모델에서 디자인 모델로 변화 시키고</a:t>
             </a:r>
-            <a:endParaRPr lang="ko-KR" altLang="en-US"/>
           </a:p>
           <a:p>
             <a:pPr lvl="0">
@@ -1234,7 +1218,6 @@
               <a:rPr lang="ko-KR" altLang="en-US"/>
               <a:t>작성</a:t>
             </a:r>
-            <a:endParaRPr lang="ko-KR" altLang="en-US"/>
           </a:p>
           <a:p>
             <a:pPr lvl="0">
@@ -1260,7 +1243,6 @@
               <a:rPr lang="ko-KR" altLang="en-US"/>
               <a:t>다이어그램을 토대로 코드 맵핑</a:t>
             </a:r>
-            <a:endParaRPr lang="ko-KR" altLang="en-US"/>
           </a:p>
           <a:p>
             <a:pPr lvl="0">
@@ -1284,7 +1266,6 @@
               <a:rPr lang="ko-KR" altLang="en-US"/>
               <a:t>를 통해 프로젝트 관리</a:t>
             </a:r>
-            <a:endParaRPr lang="ko-KR" altLang="en-US"/>
           </a:p>
         </p:txBody>
       </p:sp>
@@ -1326,7 +1307,7 @@
 </file>
 
 <file path=ppt/notesSlides/notesSlide2.xml><?xml version="1.0" encoding="utf-8"?>
-<p:notes xmlns:r="http://schemas.openxmlformats.org/officeDocument/2006/relationships" xmlns:c="http://schemas.openxmlformats.org/drawingml/2006/chart" xmlns:a="http://schemas.openxmlformats.org/drawingml/2006/main" xmlns:dgm="http://schemas.openxmlformats.org/drawingml/2006/diagram" xmlns:dsp="http://schemas.microsoft.com/office/drawing/2008/diagram" xmlns:p="http://schemas.openxmlformats.org/presentationml/2006/main">
+<p:notes xmlns:a="http://schemas.openxmlformats.org/drawingml/2006/main" xmlns:r="http://schemas.openxmlformats.org/officeDocument/2006/relationships" xmlns:p="http://schemas.openxmlformats.org/presentationml/2006/main">
   <p:cSld>
     <p:spTree>
       <p:nvGrpSpPr>
@@ -1349,7 +1330,7 @@
             <a:spLocks noGrp="1" noRot="1" noChangeAspect="1" noTextEdit="1"/>
           </p:cNvSpPr>
           <p:nvPr>
-            <p:ph type="sldImg" idx="0"/>
+            <p:ph type="sldImg"/>
           </p:nvPr>
         </p:nvSpPr>
         <p:spPr/>
@@ -1373,116 +1354,461 @@
               <a:defRPr/>
             </a:pPr>
             <a:r>
-              <a:rPr lang="ko-KR" altLang="en-US" sz="1200"/>
-              <a:t>우리의 클래스 다이어 그램</a:t>
-            </a:r>
-            <a:r>
-              <a:rPr lang="en-US" altLang="ko-KR" sz="1200"/>
+              <a:rPr lang="ko-KR" altLang="en-US" sz="1200" b="0" i="0" kern="1200" dirty="0">
+                <a:solidFill>
+                  <a:schemeClr val="tx1"/>
+                </a:solidFill>
+                <a:effectLst/>
+                <a:latin typeface="+mn-lt"/>
+                <a:ea typeface="+mn-ea"/>
+                <a:cs typeface="+mn-cs"/>
+              </a:rPr>
+              <a:t>이번에 발표하게 된 내용은 </a:t>
+            </a:r>
+            <a:r>
+              <a:rPr lang="en-US" altLang="ko-KR" sz="1200" b="0" i="0" kern="1200" dirty="0">
+                <a:solidFill>
+                  <a:schemeClr val="tx1"/>
+                </a:solidFill>
+                <a:effectLst/>
+                <a:latin typeface="+mn-lt"/>
+                <a:ea typeface="+mn-ea"/>
+                <a:cs typeface="+mn-cs"/>
+              </a:rPr>
+              <a:t>Structural Model</a:t>
+            </a:r>
+            <a:r>
+              <a:rPr lang="ko-KR" altLang="en-US" sz="1200" b="0" i="0" kern="1200" dirty="0">
+                <a:solidFill>
+                  <a:schemeClr val="tx1"/>
+                </a:solidFill>
+                <a:effectLst/>
+                <a:latin typeface="+mn-lt"/>
+                <a:ea typeface="+mn-ea"/>
+                <a:cs typeface="+mn-cs"/>
+              </a:rPr>
+              <a:t>에 관련된 내용입니다</a:t>
+            </a:r>
+            <a:r>
+              <a:rPr lang="en-US" altLang="ko-KR" sz="1200" b="0" i="0" kern="1200" dirty="0">
+                <a:solidFill>
+                  <a:schemeClr val="tx1"/>
+                </a:solidFill>
+                <a:effectLst/>
+                <a:latin typeface="+mn-lt"/>
+                <a:ea typeface="+mn-ea"/>
+                <a:cs typeface="+mn-cs"/>
+              </a:rPr>
               <a:t>.</a:t>
             </a:r>
-            <a:endParaRPr lang="en-US" altLang="ko-KR" sz="1200"/>
           </a:p>
           <a:p>
             <a:pPr lvl="0">
               <a:defRPr/>
             </a:pPr>
             <a:r>
-              <a:rPr lang="en-US" altLang="ko-KR" sz="1200"/>
-              <a:t>1.</a:t>
-            </a:r>
-            <a:r>
-              <a:rPr lang="ko-KR" altLang="en-US" sz="1200"/>
-              <a:t>요구사항에 필요한 모든 내용이 들어가있다</a:t>
-            </a:r>
-            <a:r>
-              <a:rPr lang="en-US" altLang="ko-KR" sz="1200"/>
-              <a:t>.</a:t>
-            </a:r>
-            <a:endParaRPr lang="ko-KR" altLang="en-US" sz="1200"/>
+              <a:rPr lang="ko-KR" altLang="en-US" sz="1200" b="0" i="0" kern="1200" dirty="0">
+                <a:solidFill>
+                  <a:schemeClr val="tx1"/>
+                </a:solidFill>
+                <a:effectLst/>
+                <a:latin typeface="+mn-lt"/>
+                <a:ea typeface="+mn-ea"/>
+                <a:cs typeface="+mn-cs"/>
+              </a:rPr>
+              <a:t>교수님 주신 </a:t>
+            </a:r>
+            <a:r>
+              <a:rPr lang="en-US" altLang="ko-KR" sz="1200" b="0" i="0" kern="1200" dirty="0">
+                <a:solidFill>
+                  <a:schemeClr val="tx1"/>
+                </a:solidFill>
+                <a:effectLst/>
+                <a:latin typeface="+mn-lt"/>
+                <a:ea typeface="+mn-ea"/>
+                <a:cs typeface="+mn-cs"/>
+              </a:rPr>
+              <a:t>ppt Chapter 5</a:t>
+            </a:r>
+            <a:r>
+              <a:rPr lang="ko-KR" altLang="en-US" sz="1200" b="0" i="0" kern="1200" dirty="0">
+                <a:solidFill>
+                  <a:schemeClr val="tx1"/>
+                </a:solidFill>
+                <a:effectLst/>
+                <a:latin typeface="+mn-lt"/>
+                <a:ea typeface="+mn-ea"/>
+                <a:cs typeface="+mn-cs"/>
+              </a:rPr>
+              <a:t>에서 </a:t>
+            </a:r>
+            <a:r>
+              <a:rPr lang="en-US" altLang="ko-KR" sz="1200" b="0" i="0" kern="1200" dirty="0">
+                <a:solidFill>
+                  <a:schemeClr val="tx1"/>
+                </a:solidFill>
+                <a:effectLst/>
+                <a:latin typeface="+mn-lt"/>
+                <a:ea typeface="+mn-ea"/>
+                <a:cs typeface="+mn-cs"/>
+              </a:rPr>
+              <a:t> 6</a:t>
+            </a:r>
+            <a:r>
+              <a:rPr lang="ko-KR" altLang="en-US" sz="1200" b="0" i="0" kern="1200" dirty="0">
+                <a:solidFill>
+                  <a:schemeClr val="tx1"/>
+                </a:solidFill>
+                <a:effectLst/>
+                <a:latin typeface="+mn-lt"/>
+                <a:ea typeface="+mn-ea"/>
+                <a:cs typeface="+mn-cs"/>
+              </a:rPr>
+              <a:t>번째 </a:t>
+            </a:r>
+            <a:r>
+              <a:rPr lang="en-US" altLang="ko-KR" sz="1200" b="0" i="0" kern="1200" dirty="0">
+                <a:solidFill>
+                  <a:schemeClr val="tx1"/>
+                </a:solidFill>
+                <a:effectLst/>
+                <a:latin typeface="+mn-lt"/>
+                <a:ea typeface="+mn-ea"/>
+                <a:cs typeface="+mn-cs"/>
+              </a:rPr>
+              <a:t>slide</a:t>
+            </a:r>
+            <a:r>
+              <a:rPr lang="ko-KR" altLang="en-US" sz="1200" b="0" i="0" kern="1200" dirty="0">
+                <a:solidFill>
+                  <a:schemeClr val="tx1"/>
+                </a:solidFill>
+                <a:effectLst/>
+                <a:latin typeface="+mn-lt"/>
+                <a:ea typeface="+mn-ea"/>
+                <a:cs typeface="+mn-cs"/>
+              </a:rPr>
+              <a:t>를 보면 </a:t>
+            </a:r>
+            <a:r>
+              <a:rPr lang="en-US" altLang="ko-KR" sz="1200" b="0" i="0" kern="1200" dirty="0">
+                <a:solidFill>
+                  <a:schemeClr val="tx1"/>
+                </a:solidFill>
+                <a:effectLst/>
+                <a:latin typeface="+mn-lt"/>
+                <a:ea typeface="+mn-ea"/>
+                <a:cs typeface="+mn-cs"/>
+              </a:rPr>
+              <a:t>Structural Model</a:t>
+            </a:r>
+            <a:r>
+              <a:rPr lang="ko-KR" altLang="en-US" sz="1200" b="0" i="0" kern="1200" dirty="0">
+                <a:solidFill>
+                  <a:schemeClr val="tx1"/>
+                </a:solidFill>
+                <a:effectLst/>
+                <a:latin typeface="+mn-lt"/>
+                <a:ea typeface="+mn-ea"/>
+                <a:cs typeface="+mn-cs"/>
+              </a:rPr>
+              <a:t>의 목적이 나오는데요</a:t>
+            </a:r>
+            <a:r>
+              <a:rPr lang="en-US" altLang="ko-KR" sz="1200" b="0" i="0" kern="1200" dirty="0">
+                <a:solidFill>
+                  <a:schemeClr val="tx1"/>
+                </a:solidFill>
+                <a:effectLst/>
+                <a:latin typeface="+mn-lt"/>
+                <a:ea typeface="+mn-ea"/>
+                <a:cs typeface="+mn-cs"/>
+              </a:rPr>
+              <a:t>,</a:t>
+            </a:r>
           </a:p>
           <a:p>
             <a:pPr lvl="0">
               <a:defRPr/>
             </a:pPr>
             <a:r>
-              <a:rPr lang="en-US" altLang="ko-KR" sz="1200"/>
-              <a:t>	Class </a:t>
-            </a:r>
-            <a:r>
-              <a:rPr lang="ko-KR" altLang="en-US" sz="1200"/>
-              <a:t>는 모집공고</a:t>
-            </a:r>
-            <a:r>
-              <a:rPr lang="en-US" altLang="ko-KR" sz="1200"/>
-              <a:t>,</a:t>
-            </a:r>
-            <a:r>
-              <a:rPr lang="ko-KR" altLang="en-US" sz="1200"/>
-              <a:t> 응시원서</a:t>
-            </a:r>
-            <a:r>
-              <a:rPr lang="en-US" altLang="ko-KR" sz="1200"/>
-              <a:t>,</a:t>
-            </a:r>
-            <a:r>
-              <a:rPr lang="ko-KR" altLang="en-US" sz="1200"/>
-              <a:t> 학점인정 신청</a:t>
-            </a:r>
-            <a:r>
-              <a:rPr lang="en-US" altLang="ko-KR" sz="1200"/>
-              <a:t>,</a:t>
-            </a:r>
-            <a:r>
-              <a:rPr lang="ko-KR" altLang="en-US" sz="1200"/>
-              <a:t> 공지사항</a:t>
-            </a:r>
-            <a:r>
-              <a:rPr lang="en-US" altLang="ko-KR" sz="1200"/>
-              <a:t>,</a:t>
-            </a:r>
-            <a:r>
-              <a:rPr lang="ko-KR" altLang="en-US" sz="1200"/>
-              <a:t> 파견실적</a:t>
-            </a:r>
-            <a:r>
-              <a:rPr lang="en-US" altLang="ko-KR" sz="1200"/>
+              <a:rPr lang="en-US" altLang="ko-KR" sz="1200" b="0" i="0" kern="1200" dirty="0">
+                <a:solidFill>
+                  <a:schemeClr val="tx1"/>
+                </a:solidFill>
+                <a:effectLst/>
+                <a:latin typeface="+mn-lt"/>
+                <a:ea typeface="+mn-ea"/>
+                <a:cs typeface="+mn-cs"/>
+              </a:rPr>
+              <a:t>Structural Model</a:t>
+            </a:r>
+            <a:r>
+              <a:rPr lang="ko-KR" altLang="en-US" sz="1200" b="0" i="0" kern="1200" dirty="0">
+                <a:solidFill>
+                  <a:schemeClr val="tx1"/>
+                </a:solidFill>
+                <a:effectLst/>
+                <a:latin typeface="+mn-lt"/>
+                <a:ea typeface="+mn-ea"/>
+                <a:cs typeface="+mn-cs"/>
+              </a:rPr>
+              <a:t>의 목적은 문제 영역에 포함된 핵심 데이터를 찾고 개체의 구조 모델을 작성하는 것 입니다</a:t>
+            </a:r>
+            <a:r>
+              <a:rPr lang="en-US" altLang="ko-KR" sz="1200" b="0" i="0" kern="1200" dirty="0">
+                <a:solidFill>
+                  <a:schemeClr val="tx1"/>
+                </a:solidFill>
+                <a:effectLst/>
+                <a:latin typeface="+mn-lt"/>
+                <a:ea typeface="+mn-ea"/>
+                <a:cs typeface="+mn-cs"/>
+              </a:rPr>
               <a:t>.</a:t>
             </a:r>
-            <a:endParaRPr lang="en-US" altLang="ko-KR" sz="1200"/>
           </a:p>
           <a:p>
             <a:pPr lvl="0">
               <a:defRPr/>
             </a:pPr>
-            <a:r>
-              <a:rPr lang="ko-KR" altLang="en-US" sz="1200"/>
-              <a:t>	</a:t>
-            </a:r>
-            <a:r>
-              <a:rPr lang="en-US" altLang="ko-KR" sz="1200"/>
+            <a:endParaRPr lang="en-US" altLang="ko-KR" sz="1200" b="0" i="0" kern="1200" dirty="0">
+              <a:solidFill>
+                <a:schemeClr val="tx1"/>
+              </a:solidFill>
+              <a:effectLst/>
+              <a:latin typeface="+mn-lt"/>
+              <a:ea typeface="+mn-ea"/>
+              <a:cs typeface="+mn-cs"/>
+            </a:endParaRPr>
+          </a:p>
+          <a:p>
+            <a:pPr lvl="0">
+              <a:defRPr/>
+            </a:pPr>
+            <a:r>
+              <a:rPr lang="ko-KR" altLang="en-US" sz="1200" dirty="0"/>
+              <a:t>그 목적에 맞춰서 저희는 </a:t>
+            </a:r>
+            <a:r>
+              <a:rPr lang="en-US" altLang="ko-KR" sz="1200" dirty="0"/>
+              <a:t>Use-case</a:t>
+            </a:r>
+            <a:r>
+              <a:rPr lang="ko-KR" altLang="en-US" sz="1200" dirty="0"/>
+              <a:t>를 토대로 </a:t>
+            </a:r>
+            <a:r>
+              <a:rPr lang="en-US" altLang="ko-KR" sz="1200" dirty="0"/>
+              <a:t>Class Diagram</a:t>
+            </a:r>
+            <a:r>
+              <a:rPr lang="ko-KR" altLang="en-US" sz="1200" dirty="0"/>
+              <a:t>을 만들었습니다</a:t>
+            </a:r>
+            <a:r>
+              <a:rPr lang="en-US" altLang="ko-KR" sz="1200" dirty="0"/>
+              <a:t>.</a:t>
+            </a:r>
+          </a:p>
+          <a:p>
+            <a:pPr lvl="0">
+              <a:defRPr/>
+            </a:pPr>
+            <a:endParaRPr lang="en-US" altLang="ko-KR" sz="1200" dirty="0"/>
+          </a:p>
+          <a:p>
+            <a:pPr lvl="0">
+              <a:defRPr/>
+            </a:pPr>
+            <a:r>
+              <a:rPr lang="en-US" altLang="ko-KR" sz="1200" dirty="0"/>
+              <a:t>Use case</a:t>
+            </a:r>
+            <a:r>
+              <a:rPr lang="ko-KR" altLang="en-US" sz="1200" dirty="0"/>
+              <a:t>에서 각 </a:t>
+            </a:r>
+            <a:r>
+              <a:rPr lang="en-US" altLang="ko-KR" sz="1200" dirty="0"/>
+              <a:t>case</a:t>
+            </a:r>
+            <a:r>
+              <a:rPr lang="ko-KR" altLang="en-US" sz="1200" dirty="0"/>
+              <a:t>를 </a:t>
+            </a:r>
+            <a:r>
+              <a:rPr lang="en-US" altLang="ko-KR" sz="1200" dirty="0"/>
+              <a:t>Class</a:t>
+            </a:r>
+            <a:r>
+              <a:rPr lang="ko-KR" altLang="en-US" sz="1200" dirty="0"/>
+              <a:t>에 사용될 내용</a:t>
+            </a:r>
+            <a:r>
+              <a:rPr lang="en-US" altLang="ko-KR" sz="1200" dirty="0"/>
+              <a:t>. Method</a:t>
+            </a:r>
+            <a:r>
+              <a:rPr lang="ko-KR" altLang="en-US" sz="1200" dirty="0"/>
+              <a:t>에 사용 된 내용으로 나누었는데</a:t>
+            </a:r>
+            <a:r>
+              <a:rPr lang="en-US" altLang="ko-KR" sz="1200" dirty="0"/>
+              <a:t>,</a:t>
+            </a:r>
+          </a:p>
+          <a:p>
+            <a:pPr lvl="0">
+              <a:defRPr/>
+            </a:pPr>
+            <a:r>
+              <a:rPr lang="en-US" altLang="ko-KR" sz="1200" dirty="0"/>
+              <a:t>Class </a:t>
+            </a:r>
+            <a:r>
+              <a:rPr lang="ko-KR" altLang="en-US" sz="1200" dirty="0"/>
+              <a:t>는 모집공고</a:t>
+            </a:r>
+            <a:r>
+              <a:rPr lang="en-US" altLang="ko-KR" sz="1200" dirty="0"/>
+              <a:t>,</a:t>
+            </a:r>
+            <a:r>
+              <a:rPr lang="ko-KR" altLang="en-US" sz="1200" dirty="0"/>
+              <a:t> 응시원서</a:t>
+            </a:r>
+            <a:r>
+              <a:rPr lang="en-US" altLang="ko-KR" sz="1200" dirty="0"/>
+              <a:t>,</a:t>
+            </a:r>
+            <a:r>
+              <a:rPr lang="ko-KR" altLang="en-US" sz="1200" dirty="0"/>
+              <a:t> 학점인정 신청</a:t>
+            </a:r>
+            <a:r>
+              <a:rPr lang="en-US" altLang="ko-KR" sz="1200" dirty="0"/>
+              <a:t>,</a:t>
+            </a:r>
+            <a:r>
+              <a:rPr lang="ko-KR" altLang="en-US" sz="1200" dirty="0"/>
+              <a:t> 공지사항</a:t>
+            </a:r>
+            <a:r>
+              <a:rPr lang="en-US" altLang="ko-KR" sz="1200" dirty="0"/>
+              <a:t>,</a:t>
+            </a:r>
+            <a:r>
+              <a:rPr lang="ko-KR" altLang="en-US" sz="1200" dirty="0"/>
+              <a:t> 파견실적</a:t>
+            </a:r>
+            <a:r>
+              <a:rPr lang="en-US" altLang="ko-KR" sz="1200" dirty="0"/>
+              <a:t>.</a:t>
+            </a:r>
+          </a:p>
+          <a:p>
+            <a:pPr lvl="0">
+              <a:defRPr/>
+            </a:pPr>
+            <a:r>
+              <a:rPr lang="en-US" altLang="ko-KR" sz="1200" dirty="0"/>
               <a:t>Method</a:t>
             </a:r>
             <a:r>
-              <a:rPr lang="ko-KR" altLang="en-US" sz="1200"/>
+              <a:rPr lang="ko-KR" altLang="en-US" sz="1200" dirty="0"/>
               <a:t>는 수정</a:t>
             </a:r>
             <a:r>
-              <a:rPr lang="en-US" altLang="ko-KR" sz="1200"/>
+              <a:rPr lang="en-US" altLang="ko-KR" sz="1200" dirty="0"/>
               <a:t>, </a:t>
             </a:r>
             <a:r>
-              <a:rPr lang="ko-KR" altLang="en-US" sz="1200"/>
+              <a:rPr lang="ko-KR" altLang="en-US" sz="1200" dirty="0"/>
               <a:t>업로드</a:t>
             </a:r>
             <a:r>
-              <a:rPr lang="en-US" altLang="ko-KR" sz="1200"/>
+              <a:rPr lang="en-US" altLang="ko-KR" sz="1200" dirty="0"/>
               <a:t>,</a:t>
             </a:r>
             <a:r>
-              <a:rPr lang="ko-KR" altLang="en-US" sz="1200"/>
+              <a:rPr lang="ko-KR" altLang="en-US" sz="1200" dirty="0"/>
               <a:t> 조회</a:t>
             </a:r>
-            <a:endParaRPr lang="ko-KR" altLang="en-US" sz="1200"/>
+            <a:r>
+              <a:rPr lang="en-US" altLang="ko-KR" sz="1200" dirty="0"/>
+              <a:t>, </a:t>
+            </a:r>
+            <a:r>
+              <a:rPr lang="ko-KR" altLang="en-US" sz="1200" dirty="0"/>
+              <a:t>신청</a:t>
+            </a:r>
+            <a:endParaRPr lang="en-US" altLang="ko-KR" sz="1200" dirty="0"/>
+          </a:p>
+          <a:p>
+            <a:pPr lvl="0">
+              <a:defRPr/>
+            </a:pPr>
+            <a:r>
+              <a:rPr lang="ko-KR" altLang="en-US" sz="1200" dirty="0"/>
+              <a:t>등이 있습니다</a:t>
+            </a:r>
+            <a:r>
+              <a:rPr lang="en-US" altLang="ko-KR" sz="1200" dirty="0"/>
+              <a:t>.</a:t>
+            </a:r>
+          </a:p>
+          <a:p>
+            <a:pPr lvl="0">
+              <a:defRPr/>
+            </a:pPr>
+            <a:endParaRPr lang="en-US" altLang="ko-KR" sz="1200" dirty="0"/>
+          </a:p>
+          <a:p>
+            <a:pPr lvl="0">
+              <a:defRPr/>
+            </a:pPr>
+            <a:r>
+              <a:rPr lang="en-US" altLang="ko-KR" sz="1200" dirty="0"/>
+              <a:t>Class diagram</a:t>
+            </a:r>
+            <a:r>
+              <a:rPr lang="ko-KR" altLang="en-US" sz="1200" dirty="0"/>
+              <a:t>을 보시면 학생과 직원의</a:t>
+            </a:r>
+            <a:endParaRPr lang="en-US" altLang="ko-KR" sz="1200" dirty="0"/>
+          </a:p>
+          <a:p>
+            <a:pPr lvl="0">
+              <a:defRPr/>
+            </a:pPr>
+            <a:endParaRPr lang="en-US" altLang="ko-KR" sz="1200" dirty="0"/>
+          </a:p>
+          <a:p>
+            <a:pPr lvl="0">
+              <a:defRPr/>
+            </a:pPr>
+            <a:r>
+              <a:rPr lang="en-US" altLang="ko-KR" sz="1200" dirty="0"/>
+              <a:t>~~ </a:t>
+            </a:r>
+            <a:r>
+              <a:rPr lang="ko-KR" altLang="en-US" sz="1200" dirty="0"/>
+              <a:t>화면 설명</a:t>
+            </a:r>
+            <a:endParaRPr lang="en-US" altLang="ko-KR" sz="1200" dirty="0"/>
+          </a:p>
+          <a:p>
+            <a:pPr lvl="0">
+              <a:defRPr/>
+            </a:pPr>
+            <a:endParaRPr lang="en-US" altLang="ko-KR" sz="1200" dirty="0"/>
+          </a:p>
+          <a:p>
+            <a:pPr lvl="0">
+              <a:defRPr/>
+            </a:pPr>
+            <a:endParaRPr lang="ko-KR" altLang="en-US" sz="1200" dirty="0"/>
           </a:p>
         </p:txBody>
       </p:sp>
@@ -1524,7 +1850,7 @@
 </file>
 
 <file path=ppt/notesSlides/notesSlide3.xml><?xml version="1.0" encoding="utf-8"?>
-<p:notes xmlns:r="http://schemas.openxmlformats.org/officeDocument/2006/relationships" xmlns:c="http://schemas.openxmlformats.org/drawingml/2006/chart" xmlns:a="http://schemas.openxmlformats.org/drawingml/2006/main" xmlns:dgm="http://schemas.openxmlformats.org/drawingml/2006/diagram" xmlns:dsp="http://schemas.microsoft.com/office/drawing/2008/diagram" xmlns:p="http://schemas.openxmlformats.org/presentationml/2006/main">
+<p:notes xmlns:a="http://schemas.openxmlformats.org/drawingml/2006/main" xmlns:r="http://schemas.openxmlformats.org/officeDocument/2006/relationships" xmlns:p="http://schemas.openxmlformats.org/presentationml/2006/main">
   <p:cSld>
     <p:spTree>
       <p:nvGrpSpPr>
@@ -1547,7 +1873,7 @@
             <a:spLocks noGrp="1" noRot="1" noChangeAspect="1" noTextEdit="1"/>
           </p:cNvSpPr>
           <p:nvPr>
-            <p:ph type="sldImg" idx="0"/>
+            <p:ph type="sldImg"/>
           </p:nvPr>
         </p:nvSpPr>
         <p:spPr/>
@@ -1570,117 +1896,7 @@
             <a:pPr lvl="0">
               <a:defRPr/>
             </a:pPr>
-            <a:r>
-              <a:rPr lang="ko-KR" altLang="en-US" sz="1200"/>
-              <a:t>우리의 클래스 다이어 그램</a:t>
-            </a:r>
-            <a:r>
-              <a:rPr lang="en-US" altLang="ko-KR" sz="1200"/>
-              <a:t>.</a:t>
-            </a:r>
-            <a:endParaRPr lang="en-US" altLang="ko-KR" sz="1200"/>
-          </a:p>
-          <a:p>
-            <a:pPr lvl="0">
-              <a:defRPr/>
-            </a:pPr>
-            <a:r>
-              <a:rPr lang="en-US" altLang="ko-KR" sz="1200"/>
-              <a:t>1.</a:t>
-            </a:r>
-            <a:r>
-              <a:rPr lang="ko-KR" altLang="en-US" sz="1200"/>
-              <a:t>요구사항에 필요한 모든 내용이 들어가있다</a:t>
-            </a:r>
-            <a:r>
-              <a:rPr lang="en-US" altLang="ko-KR" sz="1200"/>
-              <a:t>.</a:t>
-            </a:r>
-            <a:endParaRPr lang="ko-KR" altLang="en-US" sz="1200"/>
-          </a:p>
-          <a:p>
-            <a:pPr lvl="0">
-              <a:defRPr/>
-            </a:pPr>
-            <a:r>
-              <a:rPr lang="en-US" altLang="ko-KR" sz="1200"/>
-              <a:t>	Class </a:t>
-            </a:r>
-            <a:r>
-              <a:rPr lang="ko-KR" altLang="en-US" sz="1200"/>
-              <a:t>는 모집공고</a:t>
-            </a:r>
-            <a:r>
-              <a:rPr lang="en-US" altLang="ko-KR" sz="1200"/>
-              <a:t>,</a:t>
-            </a:r>
-            <a:r>
-              <a:rPr lang="ko-KR" altLang="en-US" sz="1200"/>
-              <a:t> 응시원서</a:t>
-            </a:r>
-            <a:r>
-              <a:rPr lang="en-US" altLang="ko-KR" sz="1200"/>
-              <a:t>,</a:t>
-            </a:r>
-            <a:r>
-              <a:rPr lang="ko-KR" altLang="en-US" sz="1200"/>
-              <a:t> 학점인정 신청</a:t>
-            </a:r>
-            <a:r>
-              <a:rPr lang="en-US" altLang="ko-KR" sz="1200"/>
-              <a:t>,</a:t>
-            </a:r>
-            <a:r>
-              <a:rPr lang="ko-KR" altLang="en-US" sz="1200"/>
-              <a:t> 공지사항</a:t>
-            </a:r>
-            <a:r>
-              <a:rPr lang="en-US" altLang="ko-KR" sz="1200"/>
-              <a:t>,</a:t>
-            </a:r>
-            <a:r>
-              <a:rPr lang="ko-KR" altLang="en-US" sz="1200"/>
-              <a:t> 파견실적</a:t>
-            </a:r>
-            <a:r>
-              <a:rPr lang="en-US" altLang="ko-KR" sz="1200"/>
-              <a:t>.</a:t>
-            </a:r>
-            <a:endParaRPr lang="en-US" altLang="ko-KR" sz="1200"/>
-          </a:p>
-          <a:p>
-            <a:pPr lvl="0">
-              <a:defRPr/>
-            </a:pPr>
-            <a:r>
-              <a:rPr lang="ko-KR" altLang="en-US" sz="1200"/>
-              <a:t>	</a:t>
-            </a:r>
-            <a:r>
-              <a:rPr lang="en-US" altLang="ko-KR" sz="1200"/>
-              <a:t>Method</a:t>
-            </a:r>
-            <a:r>
-              <a:rPr lang="ko-KR" altLang="en-US" sz="1200"/>
-              <a:t>는 수정</a:t>
-            </a:r>
-            <a:r>
-              <a:rPr lang="en-US" altLang="ko-KR" sz="1200"/>
-              <a:t>, </a:t>
-            </a:r>
-            <a:r>
-              <a:rPr lang="ko-KR" altLang="en-US" sz="1200"/>
-              <a:t>업로드</a:t>
-            </a:r>
-            <a:r>
-              <a:rPr lang="en-US" altLang="ko-KR" sz="1200"/>
-              <a:t>,</a:t>
-            </a:r>
-            <a:r>
-              <a:rPr lang="ko-KR" altLang="en-US" sz="1200"/>
-              <a:t> 조회</a:t>
-            </a:r>
-            <a:endParaRPr lang="ko-KR" altLang="en-US" sz="1200"/>
+            <a:endParaRPr lang="ko-KR" altLang="en-US" sz="1200" dirty="0"/>
           </a:p>
         </p:txBody>
       </p:sp>
@@ -1722,7 +1938,7 @@
 </file>
 
 <file path=ppt/notesSlides/notesSlide4.xml><?xml version="1.0" encoding="utf-8"?>
-<p:notes xmlns:r="http://schemas.openxmlformats.org/officeDocument/2006/relationships" xmlns:c="http://schemas.openxmlformats.org/drawingml/2006/chart" xmlns:a="http://schemas.openxmlformats.org/drawingml/2006/main" xmlns:dgm="http://schemas.openxmlformats.org/drawingml/2006/diagram" xmlns:dsp="http://schemas.microsoft.com/office/drawing/2008/diagram" xmlns:p="http://schemas.openxmlformats.org/presentationml/2006/main">
+<p:notes xmlns:a="http://schemas.openxmlformats.org/drawingml/2006/main" xmlns:r="http://schemas.openxmlformats.org/officeDocument/2006/relationships" xmlns:p="http://schemas.openxmlformats.org/presentationml/2006/main">
   <p:cSld>
     <p:spTree>
       <p:nvGrpSpPr>
@@ -1745,7 +1961,7 @@
             <a:spLocks noGrp="1" noRot="1" noChangeAspect="1" noTextEdit="1"/>
           </p:cNvSpPr>
           <p:nvPr>
-            <p:ph type="sldImg" idx="0"/>
+            <p:ph type="sldImg"/>
           </p:nvPr>
         </p:nvSpPr>
         <p:spPr/>
@@ -1776,7 +1992,6 @@
               <a:rPr lang="en-US" altLang="ko-KR" sz="1200"/>
               <a:t>.</a:t>
             </a:r>
-            <a:endParaRPr lang="en-US" altLang="ko-KR" sz="1200"/>
           </a:p>
           <a:p>
             <a:pPr lvl="0">
@@ -1844,7 +2059,6 @@
               <a:rPr lang="en-US" altLang="ko-KR" sz="1200"/>
               <a:t>.</a:t>
             </a:r>
-            <a:endParaRPr lang="en-US" altLang="ko-KR" sz="1200"/>
           </a:p>
           <a:p>
             <a:pPr lvl="0">
@@ -1878,7 +2092,6 @@
               <a:rPr lang="ko-KR" altLang="en-US" sz="1200"/>
               <a:t> 조회</a:t>
             </a:r>
-            <a:endParaRPr lang="ko-KR" altLang="en-US" sz="1200"/>
           </a:p>
         </p:txBody>
       </p:sp>
@@ -1920,7 +2133,7 @@
 </file>
 
 <file path=ppt/notesSlides/notesSlide5.xml><?xml version="1.0" encoding="utf-8"?>
-<p:notes xmlns:r="http://schemas.openxmlformats.org/officeDocument/2006/relationships" xmlns:c="http://schemas.openxmlformats.org/drawingml/2006/chart" xmlns:a="http://schemas.openxmlformats.org/drawingml/2006/main" xmlns:dgm="http://schemas.openxmlformats.org/drawingml/2006/diagram" xmlns:dsp="http://schemas.microsoft.com/office/drawing/2008/diagram" xmlns:p="http://schemas.openxmlformats.org/presentationml/2006/main">
+<p:notes xmlns:a="http://schemas.openxmlformats.org/drawingml/2006/main" xmlns:r="http://schemas.openxmlformats.org/officeDocument/2006/relationships" xmlns:p="http://schemas.openxmlformats.org/presentationml/2006/main">
   <p:cSld>
     <p:spTree>
       <p:nvGrpSpPr>
@@ -1943,7 +2156,7 @@
             <a:spLocks noGrp="1" noRot="1" noChangeAspect="1" noTextEdit="1"/>
           </p:cNvSpPr>
           <p:nvPr>
-            <p:ph type="sldImg" idx="0"/>
+            <p:ph type="sldImg"/>
           </p:nvPr>
         </p:nvSpPr>
         <p:spPr/>
@@ -1974,7 +2187,6 @@
               <a:rPr lang="en-US" altLang="ko-KR" sz="1200"/>
               <a:t>.</a:t>
             </a:r>
-            <a:endParaRPr lang="en-US" altLang="ko-KR" sz="1200"/>
           </a:p>
           <a:p>
             <a:pPr lvl="0">
@@ -2042,7 +2254,6 @@
               <a:rPr lang="en-US" altLang="ko-KR" sz="1200"/>
               <a:t>.</a:t>
             </a:r>
-            <a:endParaRPr lang="en-US" altLang="ko-KR" sz="1200"/>
           </a:p>
           <a:p>
             <a:pPr lvl="0">
@@ -2076,7 +2287,6 @@
               <a:rPr lang="ko-KR" altLang="en-US" sz="1200"/>
               <a:t> 조회</a:t>
             </a:r>
-            <a:endParaRPr lang="ko-KR" altLang="en-US" sz="1200"/>
           </a:p>
         </p:txBody>
       </p:sp>
@@ -2118,7 +2328,7 @@
 </file>
 
 <file path=ppt/notesSlides/notesSlide6.xml><?xml version="1.0" encoding="utf-8"?>
-<p:notes xmlns:r="http://schemas.openxmlformats.org/officeDocument/2006/relationships" xmlns:c="http://schemas.openxmlformats.org/drawingml/2006/chart" xmlns:a="http://schemas.openxmlformats.org/drawingml/2006/main" xmlns:dgm="http://schemas.openxmlformats.org/drawingml/2006/diagram" xmlns:dsp="http://schemas.microsoft.com/office/drawing/2008/diagram" xmlns:p="http://schemas.openxmlformats.org/presentationml/2006/main">
+<p:notes xmlns:a="http://schemas.openxmlformats.org/drawingml/2006/main" xmlns:r="http://schemas.openxmlformats.org/officeDocument/2006/relationships" xmlns:p="http://schemas.openxmlformats.org/presentationml/2006/main">
   <p:cSld>
     <p:spTree>
       <p:nvGrpSpPr>
@@ -2141,7 +2351,7 @@
             <a:spLocks noGrp="1" noRot="1" noChangeAspect="1" noTextEdit="1"/>
           </p:cNvSpPr>
           <p:nvPr>
-            <p:ph type="sldImg" idx="0"/>
+            <p:ph type="sldImg"/>
           </p:nvPr>
         </p:nvSpPr>
         <p:spPr/>
@@ -2172,7 +2382,6 @@
               <a:rPr lang="en-US" altLang="ko-KR" sz="1200"/>
               <a:t>.</a:t>
             </a:r>
-            <a:endParaRPr lang="en-US" altLang="ko-KR" sz="1200"/>
           </a:p>
           <a:p>
             <a:pPr lvl="0">
@@ -2240,7 +2449,6 @@
               <a:rPr lang="en-US" altLang="ko-KR" sz="1200"/>
               <a:t>.</a:t>
             </a:r>
-            <a:endParaRPr lang="en-US" altLang="ko-KR" sz="1200"/>
           </a:p>
           <a:p>
             <a:pPr lvl="0">
@@ -2274,7 +2482,6 @@
               <a:rPr lang="ko-KR" altLang="en-US" sz="1200"/>
               <a:t> 조회</a:t>
             </a:r>
-            <a:endParaRPr lang="ko-KR" altLang="en-US" sz="1200"/>
           </a:p>
         </p:txBody>
       </p:sp>
@@ -2316,7 +2523,7 @@
 </file>
 
 <file path=ppt/notesSlides/notesSlide7.xml><?xml version="1.0" encoding="utf-8"?>
-<p:notes xmlns:r="http://schemas.openxmlformats.org/officeDocument/2006/relationships" xmlns:c="http://schemas.openxmlformats.org/drawingml/2006/chart" xmlns:a="http://schemas.openxmlformats.org/drawingml/2006/main" xmlns:dgm="http://schemas.openxmlformats.org/drawingml/2006/diagram" xmlns:dsp="http://schemas.microsoft.com/office/drawing/2008/diagram" xmlns:p="http://schemas.openxmlformats.org/presentationml/2006/main">
+<p:notes xmlns:a="http://schemas.openxmlformats.org/drawingml/2006/main" xmlns:r="http://schemas.openxmlformats.org/officeDocument/2006/relationships" xmlns:p="http://schemas.openxmlformats.org/presentationml/2006/main">
   <p:cSld>
     <p:spTree>
       <p:nvGrpSpPr>
@@ -2376,7 +2583,6 @@
               <a:rPr lang="ko-KR" altLang="en-US"/>
               <a:t>학생이 ReceptionDesk에 응시원서 작성[Make응시원서()]</a:t>
             </a:r>
-            <a:endParaRPr lang="ko-KR" altLang="en-US"/>
           </a:p>
           <a:p>
             <a:pPr>
@@ -2386,7 +2592,6 @@
               <a:rPr lang="ko-KR" altLang="en-US"/>
               <a:t>-&gt; ReceptionDesk에서 응시원서가 모든 정보들을 가지고 있는지 검사[HasAllInformation()] -&gt; 누락된 정보가 있으면[HasAllInformation()==false] false반환 =&gt; 응시원서 접수 실패</a:t>
             </a:r>
-            <a:endParaRPr lang="ko-KR" altLang="en-US"/>
           </a:p>
           <a:p>
             <a:pPr>
@@ -2396,7 +2601,6 @@
               <a:rPr lang="ko-KR" altLang="en-US"/>
               <a:t>-&gt; ReceptionDesk에서 학생성적이 기준성적보다 높은지 교환학생 프로그램을 통해 확인[IsValidGrade()] -&gt; 성적이 기준에 못미치면  false반환 =&gt; 응시원서 접수 실패</a:t>
             </a:r>
-            <a:endParaRPr lang="ko-KR" altLang="en-US"/>
           </a:p>
           <a:p>
             <a:pPr>
@@ -2406,7 +2610,6 @@
               <a:rPr lang="ko-KR" altLang="en-US"/>
               <a:t>-&gt; 성적이 만족되면 true반환 -&gt; ReceptionDesk에서 응시원서 생성[create] </a:t>
             </a:r>
-            <a:endParaRPr lang="ko-KR" altLang="en-US"/>
           </a:p>
           <a:p>
             <a:pPr>
@@ -2416,7 +2619,6 @@
               <a:rPr lang="ko-KR" altLang="en-US"/>
               <a:t>-&gt; 응시원서가 ReceptionDesk와 교환학생 프로그램으로 각각 Add됨[AddTolList응시원서()]</a:t>
             </a:r>
-            <a:endParaRPr lang="ko-KR" altLang="en-US"/>
           </a:p>
           <a:p>
             <a:pPr>
@@ -2426,7 +2628,6 @@
               <a:rPr lang="ko-KR" altLang="en-US"/>
               <a:t> </a:t>
             </a:r>
-            <a:endParaRPr lang="ko-KR" altLang="en-US"/>
           </a:p>
         </p:txBody>
       </p:sp>
@@ -2468,7 +2669,7 @@
 </file>
 
 <file path=ppt/notesSlides/notesSlide8.xml><?xml version="1.0" encoding="utf-8"?>
-<p:notes xmlns:r="http://schemas.openxmlformats.org/officeDocument/2006/relationships" xmlns:c="http://schemas.openxmlformats.org/drawingml/2006/chart" xmlns:a="http://schemas.openxmlformats.org/drawingml/2006/main" xmlns:dgm="http://schemas.openxmlformats.org/drawingml/2006/diagram" xmlns:dsp="http://schemas.microsoft.com/office/drawing/2008/diagram" xmlns:p="http://schemas.openxmlformats.org/presentationml/2006/main">
+<p:notes xmlns:a="http://schemas.openxmlformats.org/drawingml/2006/main" xmlns:r="http://schemas.openxmlformats.org/officeDocument/2006/relationships" xmlns:p="http://schemas.openxmlformats.org/presentationml/2006/main">
   <p:cSld>
     <p:spTree>
       <p:nvGrpSpPr>
@@ -2528,7 +2729,6 @@
               <a:rPr lang="ko-KR" altLang="en-US"/>
               <a:t>학생이 ReceptionDesk에 응시원서 작성[Make응시원서()]</a:t>
             </a:r>
-            <a:endParaRPr lang="ko-KR" altLang="en-US"/>
           </a:p>
           <a:p>
             <a:pPr>
@@ -2538,7 +2738,6 @@
               <a:rPr lang="ko-KR" altLang="en-US"/>
               <a:t>-&gt; ReceptionDesk에서 응시원서가 모든 정보들을 가지고 있는지 검사[HasAllInformation()] -&gt; 누락된 정보가 있으면[HasAllInformation()==false] false반환 =&gt; 응시원서 접수 실패</a:t>
             </a:r>
-            <a:endParaRPr lang="ko-KR" altLang="en-US"/>
           </a:p>
           <a:p>
             <a:pPr>
@@ -2548,7 +2747,6 @@
               <a:rPr lang="ko-KR" altLang="en-US"/>
               <a:t>-&gt; ReceptionDesk에서 학생성적이 기준성적보다 높은지 교환학생 프로그램을 통해 확인[IsValidGrade()] -&gt; 성적이 기준에 못미치면  false반환 =&gt; 응시원서 접수 실패</a:t>
             </a:r>
-            <a:endParaRPr lang="ko-KR" altLang="en-US"/>
           </a:p>
           <a:p>
             <a:pPr>
@@ -2558,7 +2756,6 @@
               <a:rPr lang="ko-KR" altLang="en-US"/>
               <a:t>-&gt; 성적이 만족되면 true반환 -&gt; ReceptionDesk에서 응시원서 생성[create] -&gt; 응시원서가 ReceptionDesk와 교환학생 프로그램으로 각각 Add됨[AddTolList응시원서()]</a:t>
             </a:r>
-            <a:endParaRPr lang="ko-KR" altLang="en-US"/>
           </a:p>
           <a:p>
             <a:pPr>
@@ -2568,7 +2765,6 @@
               <a:rPr lang="ko-KR" altLang="en-US"/>
               <a:t> </a:t>
             </a:r>
-            <a:endParaRPr lang="ko-KR" altLang="en-US"/>
           </a:p>
         </p:txBody>
       </p:sp>
@@ -2610,7 +2806,7 @@
 </file>
 
 <file path=ppt/notesSlides/notesSlide9.xml><?xml version="1.0" encoding="utf-8"?>
-<p:notes xmlns:r="http://schemas.openxmlformats.org/officeDocument/2006/relationships" xmlns:c="http://schemas.openxmlformats.org/drawingml/2006/chart" xmlns:a="http://schemas.openxmlformats.org/drawingml/2006/main" xmlns:dgm="http://schemas.openxmlformats.org/drawingml/2006/diagram" xmlns:dsp="http://schemas.microsoft.com/office/drawing/2008/diagram" xmlns:p="http://schemas.openxmlformats.org/presentationml/2006/main">
+<p:notes xmlns:a="http://schemas.openxmlformats.org/drawingml/2006/main" xmlns:r="http://schemas.openxmlformats.org/officeDocument/2006/relationships" xmlns:p="http://schemas.openxmlformats.org/presentationml/2006/main">
   <p:cSld>
     <p:spTree>
       <p:nvGrpSpPr>
@@ -2670,7 +2866,6 @@
               <a:rPr lang="ko-KR" altLang="en-US"/>
               <a:t>학생이 ReceptionDesk에 응시원서 작성[Make응시원서()]</a:t>
             </a:r>
-            <a:endParaRPr lang="ko-KR" altLang="en-US"/>
           </a:p>
           <a:p>
             <a:pPr>
@@ -2680,7 +2875,6 @@
               <a:rPr lang="ko-KR" altLang="en-US"/>
               <a:t>-&gt; ReceptionDesk에서 응시원서가 모든 정보들을 가지고 있는지 검사[HasAllInformation()] -&gt; 누락된 정보가 있으면[HasAllInformation()==false] false반환 =&gt; 응시원서 접수 실패</a:t>
             </a:r>
-            <a:endParaRPr lang="ko-KR" altLang="en-US"/>
           </a:p>
           <a:p>
             <a:pPr>
@@ -2690,7 +2884,6 @@
               <a:rPr lang="ko-KR" altLang="en-US"/>
               <a:t>-&gt; ReceptionDesk에서 학생성적이 기준성적보다 높은지 교환학생 프로그램을 통해 확인[IsValidGrade()] -&gt; 성적이 기준에 못미치면  false반환 =&gt; 응시원서 접수 실패</a:t>
             </a:r>
-            <a:endParaRPr lang="ko-KR" altLang="en-US"/>
           </a:p>
           <a:p>
             <a:pPr>
@@ -2700,7 +2893,6 @@
               <a:rPr lang="ko-KR" altLang="en-US"/>
               <a:t>-&gt; 성적이 만족되면 true반환 -&gt; ReceptionDesk에서 응시원서 생성[create] -&gt; 응시원서가 ReceptionDesk와 교환학생 프로그램으로 각각 Add됨[AddTolList응시원서()]</a:t>
             </a:r>
-            <a:endParaRPr lang="ko-KR" altLang="en-US"/>
           </a:p>
           <a:p>
             <a:pPr>
@@ -2710,7 +2902,6 @@
               <a:rPr lang="ko-KR" altLang="en-US"/>
               <a:t> </a:t>
             </a:r>
-            <a:endParaRPr lang="ko-KR" altLang="en-US"/>
           </a:p>
         </p:txBody>
       </p:sp>
@@ -2880,7 +3071,7 @@
           <a:p>
             <a:fld id="{C7351A05-FE79-4763-A84F-D4FE701A9E82}" type="datetimeFigureOut">
               <a:rPr lang="ko-KR" altLang="en-US" smtClean="0"/>
-              <a:t>2018-11-07</a:t>
+              <a:t>2018-11-08</a:t>
             </a:fld>
             <a:endParaRPr lang="ko-KR" altLang="en-US"/>
           </a:p>
@@ -3048,7 +3239,7 @@
           <a:p>
             <a:fld id="{C7351A05-FE79-4763-A84F-D4FE701A9E82}" type="datetimeFigureOut">
               <a:rPr lang="ko-KR" altLang="en-US" smtClean="0"/>
-              <a:t>2018-11-07</a:t>
+              <a:t>2018-11-08</a:t>
             </a:fld>
             <a:endParaRPr lang="ko-KR" altLang="en-US"/>
           </a:p>
@@ -3226,7 +3417,7 @@
           <a:p>
             <a:fld id="{C7351A05-FE79-4763-A84F-D4FE701A9E82}" type="datetimeFigureOut">
               <a:rPr lang="ko-KR" altLang="en-US" smtClean="0"/>
-              <a:t>2018-11-07</a:t>
+              <a:t>2018-11-08</a:t>
             </a:fld>
             <a:endParaRPr lang="ko-KR" altLang="en-US"/>
           </a:p>
@@ -3423,7 +3614,7 @@
                 </a:solidFill>
               </a:rPr>
               <a:pPr/>
-              <a:t>2018-11-07</a:t>
+              <a:t>2018-11-08</a:t>
             </a:fld>
             <a:endParaRPr lang="ko-KR" altLang="en-US">
               <a:solidFill>
@@ -3623,7 +3814,7 @@
                 </a:solidFill>
               </a:rPr>
               <a:pPr/>
-              <a:t>2018-11-07</a:t>
+              <a:t>2018-11-08</a:t>
             </a:fld>
             <a:endParaRPr lang="ko-KR" altLang="en-US">
               <a:solidFill>
@@ -3900,7 +4091,7 @@
                 </a:solidFill>
               </a:rPr>
               <a:pPr/>
-              <a:t>2018-11-07</a:t>
+              <a:t>2018-11-08</a:t>
             </a:fld>
             <a:endParaRPr lang="ko-KR" altLang="en-US">
               <a:solidFill>
@@ -4161,7 +4352,7 @@
                 </a:solidFill>
               </a:rPr>
               <a:pPr/>
-              <a:t>2018-11-07</a:t>
+              <a:t>2018-11-08</a:t>
             </a:fld>
             <a:endParaRPr lang="ko-KR" altLang="en-US">
               <a:solidFill>
@@ -4557,7 +4748,7 @@
                 </a:solidFill>
               </a:rPr>
               <a:pPr/>
-              <a:t>2018-11-07</a:t>
+              <a:t>2018-11-08</a:t>
             </a:fld>
             <a:endParaRPr lang="ko-KR" altLang="en-US">
               <a:solidFill>
@@ -4706,7 +4897,7 @@
                 </a:solidFill>
               </a:rPr>
               <a:pPr/>
-              <a:t>2018-11-07</a:t>
+              <a:t>2018-11-08</a:t>
             </a:fld>
             <a:endParaRPr lang="ko-KR" altLang="en-US">
               <a:solidFill>
@@ -4833,7 +5024,7 @@
                 </a:solidFill>
               </a:rPr>
               <a:pPr/>
-              <a:t>2018-11-07</a:t>
+              <a:t>2018-11-08</a:t>
             </a:fld>
             <a:endParaRPr lang="ko-KR" altLang="en-US">
               <a:solidFill>
@@ -5140,7 +5331,7 @@
                 </a:solidFill>
               </a:rPr>
               <a:pPr/>
-              <a:t>2018-11-07</a:t>
+              <a:t>2018-11-08</a:t>
             </a:fld>
             <a:endParaRPr lang="ko-KR" altLang="en-US">
               <a:solidFill>
@@ -5333,7 +5524,7 @@
           <a:p>
             <a:fld id="{C7351A05-FE79-4763-A84F-D4FE701A9E82}" type="datetimeFigureOut">
               <a:rPr lang="ko-KR" altLang="en-US" smtClean="0"/>
-              <a:t>2018-11-07</a:t>
+              <a:t>2018-11-08</a:t>
             </a:fld>
             <a:endParaRPr lang="ko-KR" altLang="en-US"/>
           </a:p>
@@ -5592,7 +5783,7 @@
                 </a:solidFill>
               </a:rPr>
               <a:pPr/>
-              <a:t>2018-11-07</a:t>
+              <a:t>2018-11-08</a:t>
             </a:fld>
             <a:endParaRPr lang="ko-KR" altLang="en-US">
               <a:solidFill>
@@ -5792,7 +5983,7 @@
                 </a:solidFill>
               </a:rPr>
               <a:pPr/>
-              <a:t>2018-11-07</a:t>
+              <a:t>2018-11-08</a:t>
             </a:fld>
             <a:endParaRPr lang="ko-KR" altLang="en-US">
               <a:solidFill>
@@ -6002,7 +6193,7 @@
                 </a:solidFill>
               </a:rPr>
               <a:pPr/>
-              <a:t>2018-11-07</a:t>
+              <a:t>2018-11-08</a:t>
             </a:fld>
             <a:endParaRPr lang="ko-KR" altLang="en-US">
               <a:solidFill>
@@ -6272,7 +6463,7 @@
           <a:p>
             <a:fld id="{C7351A05-FE79-4763-A84F-D4FE701A9E82}" type="datetimeFigureOut">
               <a:rPr lang="ko-KR" altLang="en-US" smtClean="0"/>
-              <a:t>2018-11-07</a:t>
+              <a:t>2018-11-08</a:t>
             </a:fld>
             <a:endParaRPr lang="ko-KR" altLang="en-US"/>
           </a:p>
@@ -6501,7 +6692,7 @@
           <a:p>
             <a:fld id="{C7351A05-FE79-4763-A84F-D4FE701A9E82}" type="datetimeFigureOut">
               <a:rPr lang="ko-KR" altLang="en-US" smtClean="0"/>
-              <a:t>2018-11-07</a:t>
+              <a:t>2018-11-08</a:t>
             </a:fld>
             <a:endParaRPr lang="ko-KR" altLang="en-US"/>
           </a:p>
@@ -6865,7 +7056,7 @@
           <a:p>
             <a:fld id="{C7351A05-FE79-4763-A84F-D4FE701A9E82}" type="datetimeFigureOut">
               <a:rPr lang="ko-KR" altLang="en-US" smtClean="0"/>
-              <a:t>2018-11-07</a:t>
+              <a:t>2018-11-08</a:t>
             </a:fld>
             <a:endParaRPr lang="ko-KR" altLang="en-US"/>
           </a:p>
@@ -6982,7 +7173,7 @@
           <a:p>
             <a:fld id="{C7351A05-FE79-4763-A84F-D4FE701A9E82}" type="datetimeFigureOut">
               <a:rPr lang="ko-KR" altLang="en-US" smtClean="0"/>
-              <a:t>2018-11-07</a:t>
+              <a:t>2018-11-08</a:t>
             </a:fld>
             <a:endParaRPr lang="ko-KR" altLang="en-US"/>
           </a:p>
@@ -7077,7 +7268,7 @@
           <a:p>
             <a:fld id="{C7351A05-FE79-4763-A84F-D4FE701A9E82}" type="datetimeFigureOut">
               <a:rPr lang="ko-KR" altLang="en-US" smtClean="0"/>
-              <a:t>2018-11-07</a:t>
+              <a:t>2018-11-08</a:t>
             </a:fld>
             <a:endParaRPr lang="ko-KR" altLang="en-US"/>
           </a:p>
@@ -7352,7 +7543,7 @@
           <a:p>
             <a:fld id="{C7351A05-FE79-4763-A84F-D4FE701A9E82}" type="datetimeFigureOut">
               <a:rPr lang="ko-KR" altLang="en-US" smtClean="0"/>
-              <a:t>2018-11-07</a:t>
+              <a:t>2018-11-08</a:t>
             </a:fld>
             <a:endParaRPr lang="ko-KR" altLang="en-US"/>
           </a:p>
@@ -7604,7 +7795,7 @@
           <a:p>
             <a:fld id="{C7351A05-FE79-4763-A84F-D4FE701A9E82}" type="datetimeFigureOut">
               <a:rPr lang="ko-KR" altLang="en-US" smtClean="0"/>
-              <a:t>2018-11-07</a:t>
+              <a:t>2018-11-08</a:t>
             </a:fld>
             <a:endParaRPr lang="ko-KR" altLang="en-US"/>
           </a:p>
@@ -7818,7 +8009,7 @@
           <a:p>
             <a:fld id="{C7351A05-FE79-4763-A84F-D4FE701A9E82}" type="datetimeFigureOut">
               <a:rPr lang="ko-KR" altLang="en-US" smtClean="0"/>
-              <a:t>2018-11-07</a:t>
+              <a:t>2018-11-08</a:t>
             </a:fld>
             <a:endParaRPr lang="ko-KR" altLang="en-US"/>
           </a:p>
@@ -8366,7 +8557,7 @@
                 </a:solidFill>
               </a:rPr>
               <a:pPr/>
-              <a:t>2018-11-07</a:t>
+              <a:t>2018-11-08</a:t>
             </a:fld>
             <a:endParaRPr lang="ko-KR" altLang="en-US">
               <a:solidFill>
@@ -11413,13 +11604,14 @@
 </file>
 
 <file path=ppt/slides/slide10.xml><?xml version="1.0" encoding="utf-8"?>
-<p:sld xmlns:r="http://schemas.openxmlformats.org/officeDocument/2006/relationships" xmlns:c="http://schemas.openxmlformats.org/drawingml/2006/chart" xmlns:a="http://schemas.openxmlformats.org/drawingml/2006/main" xmlns:dgm="http://schemas.openxmlformats.org/drawingml/2006/diagram" xmlns:dsp="http://schemas.microsoft.com/office/drawing/2008/diagram" xmlns:p="http://schemas.openxmlformats.org/presentationml/2006/main">
+<p:sld xmlns:a="http://schemas.openxmlformats.org/drawingml/2006/main" xmlns:r="http://schemas.openxmlformats.org/officeDocument/2006/relationships" xmlns:p="http://schemas.openxmlformats.org/presentationml/2006/main">
   <p:cSld>
     <p:bg>
-      <p:bgPr shadeToTitle="0">
+      <p:bgPr>
         <a:solidFill>
-          <a:srgbClr val="e8eff4"/>
+          <a:srgbClr val="E8EFF4"/>
         </a:solidFill>
+        <a:effectLst/>
       </p:bgPr>
     </p:bg>
     <p:spTree>
@@ -11519,23 +11711,12 @@
               </a:rPr>
               <a:t>응시원서 접수</a:t>
             </a:r>
-            <a:endParaRPr lang="ko-KR" altLang="en-US" sz="2000">
-              <a:solidFill>
-                <a:prstClr val="black">
-                  <a:lumMod val="65000"/>
-                  <a:lumOff val="35000"/>
-                </a:prstClr>
-              </a:solidFill>
-              <a:latin typeface="맑은 고딕"/>
-              <a:ea typeface="맑은 고딕"/>
-              <a:cs typeface="맑은 고딕"/>
-            </a:endParaRPr>
           </a:p>
         </p:txBody>
       </p:sp>
       <p:pic>
         <p:nvPicPr>
-          <p:cNvPr id="28" name=""/>
+          <p:cNvPr id="28" name="그림 27"/>
           <p:cNvPicPr>
             <a:picLocks noChangeAspect="1"/>
           </p:cNvPicPr>
@@ -11562,32 +11743,26 @@
   <p:clrMapOvr>
     <a:masterClrMapping/>
   </p:clrMapOvr>
-  <mc:AlternateContent xmlns:mc="http://schemas.openxmlformats.org/markup-compatibility/2006">
-    <mc:Choice xmlns:p14="http://schemas.microsoft.com/office/powerpoint/2010/main" Requires="p14">
-      <p:transition xmlns:mc="http://schemas.openxmlformats.org/markup-compatibility/2006" xmlns:p14="http://schemas.microsoft.com/office/powerpoint/2010/main" spd="med" mc:Ignorable="p14" p14:dur="1000"/>
+  <mc:AlternateContent xmlns:mc="http://schemas.openxmlformats.org/markup-compatibility/2006" xmlns:p14="http://schemas.microsoft.com/office/powerpoint/2010/main">
+    <mc:Choice Requires="p14">
+      <p:transition spd="slow"/>
     </mc:Choice>
-    <mc:Fallback>
+    <mc:Fallback xmlns:dsp="http://schemas.microsoft.com/office/drawing/2008/diagram" xmlns:dgm="http://schemas.openxmlformats.org/drawingml/2006/diagram" xmlns:c="http://schemas.openxmlformats.org/drawingml/2006/chart" xmlns="">
       <p:transition/>
     </mc:Fallback>
   </mc:AlternateContent>
-  <p:timing>
-    <p:tnLst>
-      <p:par>
-        <p:cTn id="1" dur="indefinite" restart="never" nodeType="tmRoot"/>
-      </p:par>
-    </p:tnLst>
-  </p:timing>
 </p:sld>
 </file>
 
 <file path=ppt/slides/slide11.xml><?xml version="1.0" encoding="utf-8"?>
-<p:sld xmlns:r="http://schemas.openxmlformats.org/officeDocument/2006/relationships" xmlns:c="http://schemas.openxmlformats.org/drawingml/2006/chart" xmlns:a="http://schemas.openxmlformats.org/drawingml/2006/main" xmlns:dgm="http://schemas.openxmlformats.org/drawingml/2006/diagram" xmlns:dsp="http://schemas.microsoft.com/office/drawing/2008/diagram" xmlns:p="http://schemas.openxmlformats.org/presentationml/2006/main">
+<p:sld xmlns:a="http://schemas.openxmlformats.org/drawingml/2006/main" xmlns:r="http://schemas.openxmlformats.org/officeDocument/2006/relationships" xmlns:p="http://schemas.openxmlformats.org/presentationml/2006/main">
   <p:cSld>
     <p:bg>
-      <p:bgPr shadeToTitle="0">
+      <p:bgPr>
         <a:solidFill>
-          <a:srgbClr val="e8eff4"/>
+          <a:srgbClr val="E8EFF4"/>
         </a:solidFill>
+        <a:effectLst/>
       </p:bgPr>
     </p:bg>
     <p:spTree>
@@ -11687,23 +11862,12 @@
               </a:rPr>
               <a:t>응시원서 접수</a:t>
             </a:r>
-            <a:endParaRPr lang="ko-KR" altLang="en-US" sz="2000">
-              <a:solidFill>
-                <a:prstClr val="black">
-                  <a:lumMod val="65000"/>
-                  <a:lumOff val="35000"/>
-                </a:prstClr>
-              </a:solidFill>
-              <a:latin typeface="맑은 고딕"/>
-              <a:ea typeface="맑은 고딕"/>
-              <a:cs typeface="맑은 고딕"/>
-            </a:endParaRPr>
           </a:p>
         </p:txBody>
       </p:sp>
       <p:pic>
         <p:nvPicPr>
-          <p:cNvPr id="29" name=""/>
+          <p:cNvPr id="29" name="그림 28"/>
           <p:cNvPicPr>
             <a:picLocks noChangeAspect="1"/>
           </p:cNvPicPr>
@@ -11730,32 +11894,26 @@
   <p:clrMapOvr>
     <a:masterClrMapping/>
   </p:clrMapOvr>
-  <mc:AlternateContent xmlns:mc="http://schemas.openxmlformats.org/markup-compatibility/2006">
-    <mc:Choice xmlns:p14="http://schemas.microsoft.com/office/powerpoint/2010/main" Requires="p14">
-      <p:transition xmlns:mc="http://schemas.openxmlformats.org/markup-compatibility/2006" xmlns:p14="http://schemas.microsoft.com/office/powerpoint/2010/main" spd="med" mc:Ignorable="p14" p14:dur="1000"/>
+  <mc:AlternateContent xmlns:mc="http://schemas.openxmlformats.org/markup-compatibility/2006" xmlns:p14="http://schemas.microsoft.com/office/powerpoint/2010/main">
+    <mc:Choice Requires="p14">
+      <p:transition spd="slow"/>
     </mc:Choice>
-    <mc:Fallback>
+    <mc:Fallback xmlns:dsp="http://schemas.microsoft.com/office/drawing/2008/diagram" xmlns:dgm="http://schemas.openxmlformats.org/drawingml/2006/diagram" xmlns:c="http://schemas.openxmlformats.org/drawingml/2006/chart" xmlns="">
       <p:transition/>
     </mc:Fallback>
   </mc:AlternateContent>
-  <p:timing>
-    <p:tnLst>
-      <p:par>
-        <p:cTn id="1" dur="indefinite" restart="never" nodeType="tmRoot"/>
-      </p:par>
-    </p:tnLst>
-  </p:timing>
 </p:sld>
 </file>
 
 <file path=ppt/slides/slide12.xml><?xml version="1.0" encoding="utf-8"?>
-<p:sld xmlns:r="http://schemas.openxmlformats.org/officeDocument/2006/relationships" xmlns:c="http://schemas.openxmlformats.org/drawingml/2006/chart" xmlns:a="http://schemas.openxmlformats.org/drawingml/2006/main" xmlns:dgm="http://schemas.openxmlformats.org/drawingml/2006/diagram" xmlns:dsp="http://schemas.microsoft.com/office/drawing/2008/diagram" xmlns:p="http://schemas.openxmlformats.org/presentationml/2006/main">
+<p:sld xmlns:a="http://schemas.openxmlformats.org/drawingml/2006/main" xmlns:r="http://schemas.openxmlformats.org/officeDocument/2006/relationships" xmlns:p="http://schemas.openxmlformats.org/presentationml/2006/main">
   <p:cSld>
     <p:bg>
-      <p:bgPr shadeToTitle="0">
+      <p:bgPr>
         <a:solidFill>
-          <a:srgbClr val="e8eff4"/>
+          <a:srgbClr val="E8EFF4"/>
         </a:solidFill>
+        <a:effectLst/>
       </p:bgPr>
     </p:bg>
     <p:spTree>
@@ -11855,23 +12013,12 @@
               </a:rPr>
               <a:t>응시원서 접수</a:t>
             </a:r>
-            <a:endParaRPr lang="ko-KR" altLang="en-US" sz="2000">
-              <a:solidFill>
-                <a:prstClr val="black">
-                  <a:lumMod val="65000"/>
-                  <a:lumOff val="35000"/>
-                </a:prstClr>
-              </a:solidFill>
-              <a:latin typeface="맑은 고딕"/>
-              <a:ea typeface="맑은 고딕"/>
-              <a:cs typeface="맑은 고딕"/>
-            </a:endParaRPr>
           </a:p>
         </p:txBody>
       </p:sp>
       <p:pic>
         <p:nvPicPr>
-          <p:cNvPr id="31" name=""/>
+          <p:cNvPr id="31" name="그림 30"/>
           <p:cNvPicPr>
             <a:picLocks noChangeAspect="1"/>
           </p:cNvPicPr>
@@ -11898,32 +12045,26 @@
   <p:clrMapOvr>
     <a:masterClrMapping/>
   </p:clrMapOvr>
-  <mc:AlternateContent xmlns:mc="http://schemas.openxmlformats.org/markup-compatibility/2006">
-    <mc:Choice xmlns:p14="http://schemas.microsoft.com/office/powerpoint/2010/main" Requires="p14">
-      <p:transition xmlns:mc="http://schemas.openxmlformats.org/markup-compatibility/2006" xmlns:p14="http://schemas.microsoft.com/office/powerpoint/2010/main" spd="med" mc:Ignorable="p14" p14:dur="1000"/>
+  <mc:AlternateContent xmlns:mc="http://schemas.openxmlformats.org/markup-compatibility/2006" xmlns:p14="http://schemas.microsoft.com/office/powerpoint/2010/main">
+    <mc:Choice Requires="p14">
+      <p:transition spd="slow"/>
     </mc:Choice>
-    <mc:Fallback>
+    <mc:Fallback xmlns:dsp="http://schemas.microsoft.com/office/drawing/2008/diagram" xmlns:dgm="http://schemas.openxmlformats.org/drawingml/2006/diagram" xmlns:c="http://schemas.openxmlformats.org/drawingml/2006/chart" xmlns="">
       <p:transition/>
     </mc:Fallback>
   </mc:AlternateContent>
-  <p:timing>
-    <p:tnLst>
-      <p:par>
-        <p:cTn id="1" dur="indefinite" restart="never" nodeType="tmRoot"/>
-      </p:par>
-    </p:tnLst>
-  </p:timing>
 </p:sld>
 </file>
 
 <file path=ppt/slides/slide13.xml><?xml version="1.0" encoding="utf-8"?>
-<p:sld xmlns:r="http://schemas.openxmlformats.org/officeDocument/2006/relationships" xmlns:c="http://schemas.openxmlformats.org/drawingml/2006/chart" xmlns:a="http://schemas.openxmlformats.org/drawingml/2006/main" xmlns:dgm="http://schemas.openxmlformats.org/drawingml/2006/diagram" xmlns:dsp="http://schemas.microsoft.com/office/drawing/2008/diagram" xmlns:p="http://schemas.openxmlformats.org/presentationml/2006/main">
+<p:sld xmlns:a="http://schemas.openxmlformats.org/drawingml/2006/main" xmlns:r="http://schemas.openxmlformats.org/officeDocument/2006/relationships" xmlns:p="http://schemas.openxmlformats.org/presentationml/2006/main">
   <p:cSld>
     <p:bg>
-      <p:bgPr shadeToTitle="0">
+      <p:bgPr>
         <a:solidFill>
-          <a:srgbClr val="e8eff4"/>
+          <a:srgbClr val="E8EFF4"/>
         </a:solidFill>
+        <a:effectLst/>
       </p:bgPr>
     </p:bg>
     <p:spTree>
@@ -12023,23 +12164,12 @@
               </a:rPr>
               <a:t>응시원서 접수</a:t>
             </a:r>
-            <a:endParaRPr lang="ko-KR" altLang="en-US" sz="2000">
-              <a:solidFill>
-                <a:prstClr val="black">
-                  <a:lumMod val="65000"/>
-                  <a:lumOff val="35000"/>
-                </a:prstClr>
-              </a:solidFill>
-              <a:latin typeface="맑은 고딕"/>
-              <a:ea typeface="맑은 고딕"/>
-              <a:cs typeface="맑은 고딕"/>
-            </a:endParaRPr>
           </a:p>
         </p:txBody>
       </p:sp>
       <p:pic>
         <p:nvPicPr>
-          <p:cNvPr id="32" name=""/>
+          <p:cNvPr id="32" name="그림 31"/>
           <p:cNvPicPr/>
           <p:nvPr/>
         </p:nvPicPr>
@@ -12064,21 +12194,14 @@
   <p:clrMapOvr>
     <a:masterClrMapping/>
   </p:clrMapOvr>
-  <mc:AlternateContent xmlns:mc="http://schemas.openxmlformats.org/markup-compatibility/2006">
-    <mc:Choice xmlns:p14="http://schemas.microsoft.com/office/powerpoint/2010/main" Requires="p14">
-      <p:transition xmlns:mc="http://schemas.openxmlformats.org/markup-compatibility/2006" xmlns:p14="http://schemas.microsoft.com/office/powerpoint/2010/main" spd="med" mc:Ignorable="p14" p14:dur="1000"/>
+  <mc:AlternateContent xmlns:mc="http://schemas.openxmlformats.org/markup-compatibility/2006" xmlns:p14="http://schemas.microsoft.com/office/powerpoint/2010/main">
+    <mc:Choice Requires="p14">
+      <p:transition spd="slow"/>
     </mc:Choice>
-    <mc:Fallback>
+    <mc:Fallback xmlns:dsp="http://schemas.microsoft.com/office/drawing/2008/diagram" xmlns:dgm="http://schemas.openxmlformats.org/drawingml/2006/diagram" xmlns:c="http://schemas.openxmlformats.org/drawingml/2006/chart" xmlns="">
       <p:transition/>
     </mc:Fallback>
   </mc:AlternateContent>
-  <p:timing>
-    <p:tnLst>
-      <p:par>
-        <p:cTn id="1" dur="indefinite" restart="never" nodeType="tmRoot"/>
-      </p:par>
-    </p:tnLst>
-  </p:timing>
 </p:sld>
 </file>
 
@@ -21489,7 +21612,7 @@
 </file>
 
 <file path=ppt/slides/slide3.xml><?xml version="1.0" encoding="utf-8"?>
-<p:sld xmlns:r="http://schemas.openxmlformats.org/officeDocument/2006/relationships" xmlns:c="http://schemas.openxmlformats.org/drawingml/2006/chart" xmlns:a="http://schemas.openxmlformats.org/drawingml/2006/main" xmlns:dgm="http://schemas.openxmlformats.org/drawingml/2006/diagram" xmlns:dsp="http://schemas.microsoft.com/office/drawing/2008/diagram" xmlns:p="http://schemas.openxmlformats.org/presentationml/2006/main">
+<p:sld xmlns:a="http://schemas.openxmlformats.org/drawingml/2006/main" xmlns:r="http://schemas.openxmlformats.org/officeDocument/2006/relationships" xmlns:p="http://schemas.openxmlformats.org/presentationml/2006/main">
   <p:cSld>
     <p:spTree>
       <p:nvGrpSpPr>
@@ -21551,14 +21674,6 @@
               </a:rPr>
               <a:t>변경사항</a:t>
             </a:r>
-            <a:endParaRPr lang="ko-KR" altLang="en-US" sz="3600" b="1" i="1">
-              <a:solidFill>
-                <a:prstClr val="black">
-                  <a:lumMod val="65000"/>
-                  <a:lumOff val="35000"/>
-                </a:prstClr>
-              </a:solidFill>
-            </a:endParaRPr>
           </a:p>
           <a:p>
             <a:pPr lvl="0">
@@ -21567,7 +21682,7 @@
             <a:r>
               <a:rPr lang="en-US" altLang="ko-KR" sz="2000" b="1" i="1">
                 <a:solidFill>
-                  <a:srgbClr val="ff0066"/>
+                  <a:srgbClr val="FF0066"/>
                 </a:solidFill>
                 <a:latin typeface="UD Digi Kyokasho NK-B"/>
                 <a:ea typeface="UD Digi Kyokasho NK-B"/>
@@ -21577,7 +21692,7 @@
             <a:r>
               <a:rPr lang="ko-KR" altLang="en-US" sz="2000" b="1" i="1">
                 <a:solidFill>
-                  <a:srgbClr val="ff0066"/>
+                  <a:srgbClr val="FF0066"/>
                 </a:solidFill>
                 <a:latin typeface="UD Digi Kyokasho NK-B"/>
                 <a:ea typeface="UD Digi Kyokasho NK-B"/>
@@ -21586,7 +21701,7 @@
             </a:r>
             <a:endParaRPr lang="en-US" altLang="ko-KR" sz="2000" b="1" i="1">
               <a:solidFill>
-                <a:srgbClr val="ff0066"/>
+                <a:srgbClr val="FF0066"/>
               </a:solidFill>
               <a:latin typeface="UD Digi Kyokasho NK-B"/>
               <a:ea typeface="UD Digi Kyokasho NK-B"/>
@@ -21609,7 +21724,7 @@
             <a:avLst/>
           </a:prstGeom>
           <a:solidFill>
-            <a:srgbClr val="e8eff4"/>
+            <a:srgbClr val="E8EFF4"/>
           </a:solidFill>
           <a:ln>
             <a:noFill/>
@@ -21661,7 +21776,7 @@
             <a:avLst/>
           </a:prstGeom>
           <a:solidFill>
-            <a:srgbClr val="e8eff4"/>
+            <a:srgbClr val="E8EFF4"/>
           </a:solidFill>
           <a:ln>
             <a:noFill/>
@@ -21713,7 +21828,7 @@
             <a:avLst/>
           </a:prstGeom>
           <a:solidFill>
-            <a:srgbClr val="e8eff4"/>
+            <a:srgbClr val="E8EFF4"/>
           </a:solidFill>
           <a:ln>
             <a:noFill/>
@@ -21820,7 +21935,7 @@
           <a:noFill/>
           <a:ln>
             <a:solidFill>
-              <a:srgbClr val="fa4324"/>
+              <a:srgbClr val="FA4324"/>
             </a:solidFill>
           </a:ln>
         </p:spPr>
@@ -21921,7 +22036,7 @@
           <a:noFill/>
           <a:ln>
             <a:solidFill>
-              <a:srgbClr val="fa4324"/>
+              <a:srgbClr val="FA4324"/>
             </a:solidFill>
           </a:ln>
         </p:spPr>
@@ -21969,7 +22084,7 @@
           <a:noFill/>
           <a:ln>
             <a:solidFill>
-              <a:srgbClr val="fa4324"/>
+              <a:srgbClr val="FA4324"/>
             </a:solidFill>
           </a:ln>
         </p:spPr>
@@ -22017,7 +22132,7 @@
           <a:noFill/>
           <a:ln>
             <a:solidFill>
-              <a:srgbClr val="fa4324"/>
+              <a:srgbClr val="FA4324"/>
             </a:solidFill>
           </a:ln>
         </p:spPr>
@@ -22135,13 +22250,13 @@
   <p:clrMapOvr>
     <a:masterClrMapping/>
   </p:clrMapOvr>
-  <mc:AlternateContent xmlns:mc="http://schemas.openxmlformats.org/markup-compatibility/2006">
-    <mc:Choice xmlns:p14="http://schemas.microsoft.com/office/powerpoint/2010/main" Requires="p14">
-      <p:transition xmlns:mc="http://schemas.openxmlformats.org/markup-compatibility/2006" xmlns:p14="http://schemas.microsoft.com/office/powerpoint/2010/main" spd="med" mc:Ignorable="p14" p14:dur="1000">
+  <mc:AlternateContent xmlns:mc="http://schemas.openxmlformats.org/markup-compatibility/2006" xmlns:p14="http://schemas.microsoft.com/office/powerpoint/2010/main">
+    <mc:Choice Requires="p14">
+      <p:transition spd="slow">
         <p:push dir="u"/>
       </p:transition>
     </mc:Choice>
-    <mc:Fallback>
+    <mc:Fallback xmlns:dsp="http://schemas.microsoft.com/office/drawing/2008/diagram" xmlns:dgm="http://schemas.openxmlformats.org/drawingml/2006/diagram" xmlns:c="http://schemas.openxmlformats.org/drawingml/2006/chart" xmlns="">
       <p:transition xmlns:mc="http://schemas.openxmlformats.org/markup-compatibility/2006" xmlns:hp="http://schemas.haansoft.com/office/presentation/8.0" spd="med" mc:Ignorable="hp" hp:hslDur="1000">
         <p:fade/>
       </p:transition>
@@ -22494,19 +22609,19 @@
       </p:par>
     </p:tnLst>
     <p:bldLst>
+      <p:bldP spid="4" grpId="4" animBg="1"/>
       <p:bldP spid="6" grpId="0" animBg="1"/>
+      <p:bldP spid="11" grpId="2" animBg="1"/>
+      <p:bldP spid="12" grpId="5" animBg="1"/>
+      <p:bldP spid="13" grpId="3" animBg="1"/>
       <p:bldP spid="15" grpId="1"/>
-      <p:bldP spid="11" grpId="2" animBg="1"/>
-      <p:bldP spid="13" grpId="3" animBg="1"/>
-      <p:bldP spid="4" grpId="4" animBg="1"/>
-      <p:bldP spid="12" grpId="5" animBg="1"/>
     </p:bldLst>
   </p:timing>
 </p:sld>
 </file>
 
 <file path=ppt/slides/slide4.xml><?xml version="1.0" encoding="utf-8"?>
-<p:sld xmlns:r="http://schemas.openxmlformats.org/officeDocument/2006/relationships" xmlns:c="http://schemas.openxmlformats.org/drawingml/2006/chart" xmlns:a="http://schemas.openxmlformats.org/drawingml/2006/main" xmlns:dgm="http://schemas.openxmlformats.org/drawingml/2006/diagram" xmlns:dsp="http://schemas.microsoft.com/office/drawing/2008/diagram" xmlns:p="http://schemas.openxmlformats.org/presentationml/2006/main">
+<p:sld xmlns:a="http://schemas.openxmlformats.org/drawingml/2006/main" xmlns:r="http://schemas.openxmlformats.org/officeDocument/2006/relationships" xmlns:p="http://schemas.openxmlformats.org/presentationml/2006/main">
   <p:cSld>
     <p:spTree>
       <p:nvGrpSpPr>
@@ -22557,14 +22672,6 @@
               </a:rPr>
               <a:t>2. Class Diagram</a:t>
             </a:r>
-            <a:endParaRPr lang="en-US" altLang="ko-KR" sz="3600" b="1" i="1">
-              <a:solidFill>
-                <a:prstClr val="black">
-                  <a:lumMod val="65000"/>
-                  <a:lumOff val="35000"/>
-                </a:prstClr>
-              </a:solidFill>
-            </a:endParaRPr>
           </a:p>
           <a:p>
             <a:pPr lvl="0">
@@ -22572,7 +22679,7 @@
             </a:pPr>
             <a:endParaRPr lang="en-US" altLang="ko-KR" sz="2000" b="1" i="1">
               <a:solidFill>
-                <a:srgbClr val="ff0066"/>
+                <a:srgbClr val="FF0066"/>
               </a:solidFill>
               <a:latin typeface="UD Digi Kyokasho NK-B"/>
               <a:ea typeface="UD Digi Kyokasho NK-B"/>
@@ -22595,7 +22702,7 @@
             <a:avLst/>
           </a:prstGeom>
           <a:solidFill>
-            <a:srgbClr val="e8eff4"/>
+            <a:srgbClr val="E8EFF4"/>
           </a:solidFill>
           <a:ln>
             <a:noFill/>
@@ -22647,7 +22754,7 @@
             <a:avLst/>
           </a:prstGeom>
           <a:solidFill>
-            <a:srgbClr val="e8eff4"/>
+            <a:srgbClr val="E8EFF4"/>
           </a:solidFill>
           <a:ln>
             <a:noFill/>
@@ -22699,7 +22806,7 @@
             <a:avLst/>
           </a:prstGeom>
           <a:solidFill>
-            <a:srgbClr val="e8eff4"/>
+            <a:srgbClr val="E8EFF4"/>
           </a:solidFill>
           <a:ln>
             <a:noFill/>
@@ -22738,7 +22845,7 @@
       </p:sp>
       <p:pic>
         <p:nvPicPr>
-          <p:cNvPr id="1031" name=""/>
+          <p:cNvPr id="1031" name="그림 1030"/>
           <p:cNvPicPr>
             <a:picLocks noChangeAspect="1"/>
           </p:cNvPicPr>
@@ -22762,7 +22869,7 @@
       </p:pic>
       <p:pic>
         <p:nvPicPr>
-          <p:cNvPr id="1033" name=""/>
+          <p:cNvPr id="1033" name="그림 1032"/>
           <p:cNvPicPr>
             <a:picLocks noChangeAspect="1"/>
           </p:cNvPicPr>
@@ -22789,13 +22896,13 @@
   <p:clrMapOvr>
     <a:masterClrMapping/>
   </p:clrMapOvr>
-  <mc:AlternateContent xmlns:mc="http://schemas.openxmlformats.org/markup-compatibility/2006">
-    <mc:Choice xmlns:p14="http://schemas.microsoft.com/office/powerpoint/2010/main" Requires="p14">
-      <p:transition xmlns:mc="http://schemas.openxmlformats.org/markup-compatibility/2006" xmlns:p14="http://schemas.microsoft.com/office/powerpoint/2010/main" spd="med" mc:Ignorable="p14" p14:dur="1000">
+  <mc:AlternateContent xmlns:mc="http://schemas.openxmlformats.org/markup-compatibility/2006" xmlns:p14="http://schemas.microsoft.com/office/powerpoint/2010/main">
+    <mc:Choice Requires="p14">
+      <p:transition spd="slow">
         <p:push dir="u"/>
       </p:transition>
     </mc:Choice>
-    <mc:Fallback>
+    <mc:Fallback xmlns:dsp="http://schemas.microsoft.com/office/drawing/2008/diagram" xmlns:dgm="http://schemas.openxmlformats.org/drawingml/2006/diagram" xmlns:c="http://schemas.openxmlformats.org/drawingml/2006/chart" xmlns="">
       <p:transition xmlns:mc="http://schemas.openxmlformats.org/markup-compatibility/2006" xmlns:hp="http://schemas.haansoft.com/office/presentation/8.0" spd="med" mc:Ignorable="hp" hp:hslDur="1000">
         <p:fade/>
       </p:transition>
@@ -22805,7 +22912,7 @@
 </file>
 
 <file path=ppt/slides/slide5.xml><?xml version="1.0" encoding="utf-8"?>
-<p:sld xmlns:r="http://schemas.openxmlformats.org/officeDocument/2006/relationships" xmlns:c="http://schemas.openxmlformats.org/drawingml/2006/chart" xmlns:a="http://schemas.openxmlformats.org/drawingml/2006/main" xmlns:dgm="http://schemas.openxmlformats.org/drawingml/2006/diagram" xmlns:dsp="http://schemas.microsoft.com/office/drawing/2008/diagram" xmlns:p="http://schemas.openxmlformats.org/presentationml/2006/main">
+<p:sld xmlns:a="http://schemas.openxmlformats.org/drawingml/2006/main" xmlns:r="http://schemas.openxmlformats.org/officeDocument/2006/relationships" xmlns:p="http://schemas.openxmlformats.org/presentationml/2006/main">
   <p:cSld>
     <p:spTree>
       <p:nvGrpSpPr>
@@ -22856,14 +22963,6 @@
               </a:rPr>
               <a:t>2. Class Diagram</a:t>
             </a:r>
-            <a:endParaRPr lang="en-US" altLang="ko-KR" sz="3600" b="1" i="1">
-              <a:solidFill>
-                <a:prstClr val="black">
-                  <a:lumMod val="65000"/>
-                  <a:lumOff val="35000"/>
-                </a:prstClr>
-              </a:solidFill>
-            </a:endParaRPr>
           </a:p>
           <a:p>
             <a:pPr lvl="0">
@@ -22871,7 +22970,7 @@
             </a:pPr>
             <a:endParaRPr lang="en-US" altLang="ko-KR" sz="2000" b="1" i="1">
               <a:solidFill>
-                <a:srgbClr val="ff0066"/>
+                <a:srgbClr val="FF0066"/>
               </a:solidFill>
               <a:latin typeface="UD Digi Kyokasho NK-B"/>
               <a:ea typeface="UD Digi Kyokasho NK-B"/>
@@ -22894,7 +22993,7 @@
             <a:avLst/>
           </a:prstGeom>
           <a:solidFill>
-            <a:srgbClr val="e8eff4"/>
+            <a:srgbClr val="E8EFF4"/>
           </a:solidFill>
           <a:ln>
             <a:noFill/>
@@ -22946,7 +23045,7 @@
             <a:avLst/>
           </a:prstGeom>
           <a:solidFill>
-            <a:srgbClr val="e8eff4"/>
+            <a:srgbClr val="E8EFF4"/>
           </a:solidFill>
           <a:ln>
             <a:noFill/>
@@ -22998,7 +23097,7 @@
             <a:avLst/>
           </a:prstGeom>
           <a:solidFill>
-            <a:srgbClr val="e8eff4"/>
+            <a:srgbClr val="E8EFF4"/>
           </a:solidFill>
           <a:ln>
             <a:noFill/>
@@ -23037,7 +23136,7 @@
       </p:sp>
       <p:pic>
         <p:nvPicPr>
-          <p:cNvPr id="1031" name=""/>
+          <p:cNvPr id="1031" name="그림 1030"/>
           <p:cNvPicPr>
             <a:picLocks noChangeAspect="1"/>
           </p:cNvPicPr>
@@ -23061,7 +23160,7 @@
       </p:pic>
       <p:pic>
         <p:nvPicPr>
-          <p:cNvPr id="1033" name=""/>
+          <p:cNvPr id="1033" name="그림 1032"/>
           <p:cNvPicPr>
             <a:picLocks noChangeAspect="1"/>
           </p:cNvPicPr>
@@ -23085,7 +23184,7 @@
       </p:pic>
       <p:sp>
         <p:nvSpPr>
-          <p:cNvPr id="1034" name=""/>
+          <p:cNvPr id="1034" name="직사각형 1033"/>
           <p:cNvSpPr/>
           <p:nvPr/>
         </p:nvSpPr>
@@ -23098,56 +23197,7 @@
             <a:avLst/>
           </a:prstGeom>
           <a:solidFill>
-            <a:srgbClr val="ff843a">
-              <a:alpha val="31000"/>
-            </a:srgbClr>
-          </a:solidFill>
-          <a:ln>
-            <a:noFill/>
-          </a:ln>
-        </p:spPr>
-        <p:style>
-          <a:lnRef idx="2">
-            <a:schemeClr val="accent1">
-              <a:shade val="20000"/>
-            </a:schemeClr>
-          </a:lnRef>
-          <a:fillRef idx="1">
-            <a:schemeClr val="accent1"/>
-          </a:fillRef>
-          <a:effectRef idx="0">
-            <a:schemeClr val="accent1"/>
-          </a:effectRef>
-          <a:fontRef idx="minor">
-            <a:schemeClr val="lt1"/>
-          </a:fontRef>
-        </p:style>
-        <p:txBody>
-          <a:bodyPr anchor="ctr"/>
-          <a:p>
-            <a:pPr algn="ctr">
-              <a:defRPr/>
-            </a:pPr>
-            <a:endParaRPr lang="ko-KR" altLang="en-US"/>
-          </a:p>
-        </p:txBody>
-      </p:sp>
-      <p:sp>
-        <p:nvSpPr>
-          <p:cNvPr id="1035" name=""/>
-          <p:cNvSpPr/>
-          <p:nvPr/>
-        </p:nvSpPr>
-        <p:spPr>
-          <a:xfrm>
-            <a:off x="7151544" y="4476750"/>
-            <a:ext cx="1385454" cy="692726"/>
-          </a:xfrm>
-          <a:prstGeom prst="rect">
-            <a:avLst/>
-          </a:prstGeom>
-          <a:solidFill>
-            <a:srgbClr val="ff843a">
+            <a:srgbClr val="FF843A">
               <a:alpha val="31000"/>
             </a:srgbClr>
           </a:solidFill>
@@ -23184,20 +23234,20 @@
       </p:sp>
       <p:sp>
         <p:nvSpPr>
-          <p:cNvPr id="1036" name=""/>
+          <p:cNvPr id="1035" name="직사각형 1034"/>
           <p:cNvSpPr/>
           <p:nvPr/>
         </p:nvSpPr>
         <p:spPr>
           <a:xfrm>
-            <a:off x="7224973" y="3875809"/>
-            <a:ext cx="657743" cy="132656"/>
+            <a:off x="7151544" y="4476750"/>
+            <a:ext cx="1385454" cy="692726"/>
           </a:xfrm>
           <a:prstGeom prst="rect">
             <a:avLst/>
           </a:prstGeom>
           <a:solidFill>
-            <a:srgbClr val="ff843a">
+            <a:srgbClr val="FF843A">
               <a:alpha val="31000"/>
             </a:srgbClr>
           </a:solidFill>
@@ -23234,20 +23284,20 @@
       </p:sp>
       <p:sp>
         <p:nvSpPr>
-          <p:cNvPr id="1037" name=""/>
+          <p:cNvPr id="1036" name="직사각형 1035"/>
           <p:cNvSpPr/>
           <p:nvPr/>
         </p:nvSpPr>
         <p:spPr>
           <a:xfrm>
-            <a:off x="4143376" y="2836718"/>
-            <a:ext cx="961159" cy="380999"/>
+            <a:off x="7224973" y="3875809"/>
+            <a:ext cx="657743" cy="132656"/>
           </a:xfrm>
           <a:prstGeom prst="rect">
             <a:avLst/>
           </a:prstGeom>
           <a:solidFill>
-            <a:srgbClr val="ff843a">
+            <a:srgbClr val="FF843A">
               <a:alpha val="31000"/>
             </a:srgbClr>
           </a:solidFill>
@@ -23284,20 +23334,20 @@
       </p:sp>
       <p:sp>
         <p:nvSpPr>
-          <p:cNvPr id="1038" name=""/>
+          <p:cNvPr id="1037" name="직사각형 1036"/>
           <p:cNvSpPr/>
           <p:nvPr/>
         </p:nvSpPr>
         <p:spPr>
           <a:xfrm>
-            <a:off x="4138179" y="4833505"/>
+            <a:off x="4143376" y="2836718"/>
             <a:ext cx="961159" cy="380999"/>
           </a:xfrm>
           <a:prstGeom prst="rect">
             <a:avLst/>
           </a:prstGeom>
           <a:solidFill>
-            <a:srgbClr val="ff843a">
+            <a:srgbClr val="FF843A">
               <a:alpha val="31000"/>
             </a:srgbClr>
           </a:solidFill>
@@ -23334,20 +23384,20 @@
       </p:sp>
       <p:sp>
         <p:nvSpPr>
-          <p:cNvPr id="1039" name=""/>
+          <p:cNvPr id="1038" name="직사각형 1037"/>
           <p:cNvSpPr/>
           <p:nvPr/>
         </p:nvSpPr>
         <p:spPr>
           <a:xfrm>
-            <a:off x="7210434" y="3587051"/>
-            <a:ext cx="657743" cy="132656"/>
+            <a:off x="4138179" y="4833505"/>
+            <a:ext cx="961159" cy="380999"/>
           </a:xfrm>
           <a:prstGeom prst="rect">
             <a:avLst/>
           </a:prstGeom>
           <a:solidFill>
-            <a:srgbClr val="ff843a">
+            <a:srgbClr val="FF843A">
               <a:alpha val="31000"/>
             </a:srgbClr>
           </a:solidFill>
@@ -23382,18 +23432,68 @@
           </a:p>
         </p:txBody>
       </p:sp>
+      <p:sp>
+        <p:nvSpPr>
+          <p:cNvPr id="1039" name="직사각형 1038"/>
+          <p:cNvSpPr/>
+          <p:nvPr/>
+        </p:nvSpPr>
+        <p:spPr>
+          <a:xfrm>
+            <a:off x="7210434" y="3587051"/>
+            <a:ext cx="657743" cy="132656"/>
+          </a:xfrm>
+          <a:prstGeom prst="rect">
+            <a:avLst/>
+          </a:prstGeom>
+          <a:solidFill>
+            <a:srgbClr val="FF843A">
+              <a:alpha val="31000"/>
+            </a:srgbClr>
+          </a:solidFill>
+          <a:ln>
+            <a:noFill/>
+          </a:ln>
+        </p:spPr>
+        <p:style>
+          <a:lnRef idx="2">
+            <a:schemeClr val="accent1">
+              <a:shade val="20000"/>
+            </a:schemeClr>
+          </a:lnRef>
+          <a:fillRef idx="1">
+            <a:schemeClr val="accent1"/>
+          </a:fillRef>
+          <a:effectRef idx="0">
+            <a:schemeClr val="accent1"/>
+          </a:effectRef>
+          <a:fontRef idx="minor">
+            <a:schemeClr val="lt1"/>
+          </a:fontRef>
+        </p:style>
+        <p:txBody>
+          <a:bodyPr anchor="ctr"/>
+          <a:lstStyle/>
+          <a:p>
+            <a:pPr algn="ctr">
+              <a:defRPr/>
+            </a:pPr>
+            <a:endParaRPr lang="ko-KR" altLang="en-US"/>
+          </a:p>
+        </p:txBody>
+      </p:sp>
     </p:spTree>
   </p:cSld>
   <p:clrMapOvr>
     <a:masterClrMapping/>
   </p:clrMapOvr>
-  <mc:AlternateContent xmlns:mc="http://schemas.openxmlformats.org/markup-compatibility/2006">
-    <mc:Choice xmlns:p14="http://schemas.microsoft.com/office/powerpoint/2010/main" Requires="p14">
-      <p:transition xmlns:mc="http://schemas.openxmlformats.org/markup-compatibility/2006" xmlns:p14="http://schemas.microsoft.com/office/powerpoint/2010/main" spd="med" mc:Ignorable="p14" p14:dur="1000">
+  <mc:AlternateContent xmlns:mc="http://schemas.openxmlformats.org/markup-compatibility/2006" xmlns:p14="http://schemas.microsoft.com/office/powerpoint/2010/main">
+    <mc:Choice Requires="p14">
+      <p:transition spd="slow">
         <p:push dir="u"/>
       </p:transition>
     </mc:Choice>
-    <mc:Fallback>
+    <mc:Fallback xmlns:dsp="http://schemas.microsoft.com/office/drawing/2008/diagram" xmlns:dgm="http://schemas.openxmlformats.org/drawingml/2006/diagram" xmlns:c="http://schemas.openxmlformats.org/drawingml/2006/chart" xmlns="">
       <p:transition xmlns:mc="http://schemas.openxmlformats.org/markup-compatibility/2006" xmlns:hp="http://schemas.haansoft.com/office/presentation/8.0" spd="med" mc:Ignorable="hp" hp:hslDur="1000">
         <p:fade/>
       </p:transition>
@@ -23403,7 +23503,7 @@
 </file>
 
 <file path=ppt/slides/slide6.xml><?xml version="1.0" encoding="utf-8"?>
-<p:sld xmlns:r="http://schemas.openxmlformats.org/officeDocument/2006/relationships" xmlns:c="http://schemas.openxmlformats.org/drawingml/2006/chart" xmlns:a="http://schemas.openxmlformats.org/drawingml/2006/main" xmlns:dgm="http://schemas.openxmlformats.org/drawingml/2006/diagram" xmlns:dsp="http://schemas.microsoft.com/office/drawing/2008/diagram" xmlns:p="http://schemas.openxmlformats.org/presentationml/2006/main">
+<p:sld xmlns:a="http://schemas.openxmlformats.org/drawingml/2006/main" xmlns:r="http://schemas.openxmlformats.org/officeDocument/2006/relationships" xmlns:p="http://schemas.openxmlformats.org/presentationml/2006/main">
   <p:cSld>
     <p:spTree>
       <p:nvGrpSpPr>
@@ -23454,14 +23554,6 @@
               </a:rPr>
               <a:t>2. Class Diagram</a:t>
             </a:r>
-            <a:endParaRPr lang="en-US" altLang="ko-KR" sz="3600" b="1" i="1">
-              <a:solidFill>
-                <a:prstClr val="black">
-                  <a:lumMod val="65000"/>
-                  <a:lumOff val="35000"/>
-                </a:prstClr>
-              </a:solidFill>
-            </a:endParaRPr>
           </a:p>
           <a:p>
             <a:pPr lvl="0">
@@ -23469,7 +23561,7 @@
             </a:pPr>
             <a:endParaRPr lang="en-US" altLang="ko-KR" sz="2000" b="1" i="1">
               <a:solidFill>
-                <a:srgbClr val="ff0066"/>
+                <a:srgbClr val="FF0066"/>
               </a:solidFill>
               <a:latin typeface="UD Digi Kyokasho NK-B"/>
               <a:ea typeface="UD Digi Kyokasho NK-B"/>
@@ -23492,7 +23584,7 @@
             <a:avLst/>
           </a:prstGeom>
           <a:solidFill>
-            <a:srgbClr val="e8eff4"/>
+            <a:srgbClr val="E8EFF4"/>
           </a:solidFill>
           <a:ln>
             <a:noFill/>
@@ -23544,7 +23636,7 @@
             <a:avLst/>
           </a:prstGeom>
           <a:solidFill>
-            <a:srgbClr val="e8eff4"/>
+            <a:srgbClr val="E8EFF4"/>
           </a:solidFill>
           <a:ln>
             <a:noFill/>
@@ -23596,7 +23688,7 @@
             <a:avLst/>
           </a:prstGeom>
           <a:solidFill>
-            <a:srgbClr val="e8eff4"/>
+            <a:srgbClr val="E8EFF4"/>
           </a:solidFill>
           <a:ln>
             <a:noFill/>
@@ -23635,7 +23727,7 @@
       </p:sp>
       <p:pic>
         <p:nvPicPr>
-          <p:cNvPr id="1031" name=""/>
+          <p:cNvPr id="1031" name="그림 1030"/>
           <p:cNvPicPr>
             <a:picLocks noChangeAspect="1"/>
           </p:cNvPicPr>
@@ -23659,7 +23751,7 @@
       </p:pic>
       <p:pic>
         <p:nvPicPr>
-          <p:cNvPr id="1033" name=""/>
+          <p:cNvPr id="1033" name="그림 1032"/>
           <p:cNvPicPr>
             <a:picLocks noChangeAspect="1"/>
           </p:cNvPicPr>
@@ -23683,7 +23775,7 @@
       </p:pic>
       <p:sp>
         <p:nvSpPr>
-          <p:cNvPr id="1035" name=""/>
+          <p:cNvPr id="1035" name="직사각형 1034"/>
           <p:cNvSpPr/>
           <p:nvPr/>
         </p:nvSpPr>
@@ -23696,7 +23788,7 @@
             <a:avLst/>
           </a:prstGeom>
           <a:solidFill>
-            <a:srgbClr val="289b6e">
+            <a:srgbClr val="289B6E">
               <a:alpha val="31000"/>
             </a:srgbClr>
           </a:solidFill>
@@ -23733,7 +23825,7 @@
       </p:sp>
       <p:sp>
         <p:nvSpPr>
-          <p:cNvPr id="1040" name=""/>
+          <p:cNvPr id="1040" name="직사각형 1039"/>
           <p:cNvSpPr/>
           <p:nvPr/>
         </p:nvSpPr>
@@ -23746,7 +23838,7 @@
             <a:avLst/>
           </a:prstGeom>
           <a:solidFill>
-            <a:srgbClr val="289b6e">
+            <a:srgbClr val="289B6E">
               <a:alpha val="31000"/>
             </a:srgbClr>
           </a:solidFill>
@@ -23783,7 +23875,7 @@
       </p:sp>
       <p:sp>
         <p:nvSpPr>
-          <p:cNvPr id="1041" name=""/>
+          <p:cNvPr id="1041" name="직사각형 1040"/>
           <p:cNvSpPr/>
           <p:nvPr/>
         </p:nvSpPr>
@@ -23796,7 +23888,7 @@
             <a:avLst/>
           </a:prstGeom>
           <a:solidFill>
-            <a:srgbClr val="289b6e">
+            <a:srgbClr val="289B6E">
               <a:alpha val="31000"/>
             </a:srgbClr>
           </a:solidFill>
@@ -23833,7 +23925,7 @@
       </p:sp>
       <p:sp>
         <p:nvSpPr>
-          <p:cNvPr id="1042" name=""/>
+          <p:cNvPr id="1042" name="직사각형 1041"/>
           <p:cNvSpPr/>
           <p:nvPr/>
         </p:nvSpPr>
@@ -23846,7 +23938,7 @@
             <a:avLst/>
           </a:prstGeom>
           <a:solidFill>
-            <a:srgbClr val="289b6e">
+            <a:srgbClr val="289B6E">
               <a:alpha val="31000"/>
             </a:srgbClr>
           </a:solidFill>
@@ -23883,7 +23975,7 @@
       </p:sp>
       <p:sp>
         <p:nvSpPr>
-          <p:cNvPr id="1043" name=""/>
+          <p:cNvPr id="1043" name="직사각형 1042"/>
           <p:cNvSpPr/>
           <p:nvPr/>
         </p:nvSpPr>
@@ -23896,7 +23988,7 @@
             <a:avLst/>
           </a:prstGeom>
           <a:solidFill>
-            <a:srgbClr val="289b6e">
+            <a:srgbClr val="289B6E">
               <a:alpha val="31000"/>
             </a:srgbClr>
           </a:solidFill>
@@ -23933,7 +24025,7 @@
       </p:sp>
       <p:sp>
         <p:nvSpPr>
-          <p:cNvPr id="1044" name=""/>
+          <p:cNvPr id="1044" name="직사각형 1043"/>
           <p:cNvSpPr/>
           <p:nvPr/>
         </p:nvSpPr>
@@ -23946,7 +24038,7 @@
             <a:avLst/>
           </a:prstGeom>
           <a:solidFill>
-            <a:srgbClr val="289b6e">
+            <a:srgbClr val="289B6E">
               <a:alpha val="31000"/>
             </a:srgbClr>
           </a:solidFill>
@@ -23986,13 +24078,13 @@
   <p:clrMapOvr>
     <a:masterClrMapping/>
   </p:clrMapOvr>
-  <mc:AlternateContent xmlns:mc="http://schemas.openxmlformats.org/markup-compatibility/2006">
-    <mc:Choice xmlns:p14="http://schemas.microsoft.com/office/powerpoint/2010/main" Requires="p14">
-      <p:transition xmlns:mc="http://schemas.openxmlformats.org/markup-compatibility/2006" xmlns:p14="http://schemas.microsoft.com/office/powerpoint/2010/main" spd="med" mc:Ignorable="p14" p14:dur="1000">
+  <mc:AlternateContent xmlns:mc="http://schemas.openxmlformats.org/markup-compatibility/2006" xmlns:p14="http://schemas.microsoft.com/office/powerpoint/2010/main">
+    <mc:Choice Requires="p14">
+      <p:transition spd="slow">
         <p:push dir="u"/>
       </p:transition>
     </mc:Choice>
-    <mc:Fallback>
+    <mc:Fallback xmlns:dsp="http://schemas.microsoft.com/office/drawing/2008/diagram" xmlns:dgm="http://schemas.openxmlformats.org/drawingml/2006/diagram" xmlns:c="http://schemas.openxmlformats.org/drawingml/2006/chart" xmlns="">
       <p:transition xmlns:mc="http://schemas.openxmlformats.org/markup-compatibility/2006" xmlns:hp="http://schemas.haansoft.com/office/presentation/8.0" spd="med" mc:Ignorable="hp" hp:hslDur="1000">
         <p:fade/>
       </p:transition>
@@ -24002,7 +24094,7 @@
 </file>
 
 <file path=ppt/slides/slide7.xml><?xml version="1.0" encoding="utf-8"?>
-<p:sld xmlns:r="http://schemas.openxmlformats.org/officeDocument/2006/relationships" xmlns:c="http://schemas.openxmlformats.org/drawingml/2006/chart" xmlns:a="http://schemas.openxmlformats.org/drawingml/2006/main" xmlns:dgm="http://schemas.openxmlformats.org/drawingml/2006/diagram" xmlns:dsp="http://schemas.microsoft.com/office/drawing/2008/diagram" xmlns:p="http://schemas.openxmlformats.org/presentationml/2006/main">
+<p:sld xmlns:a="http://schemas.openxmlformats.org/drawingml/2006/main" xmlns:r="http://schemas.openxmlformats.org/officeDocument/2006/relationships" xmlns:p="http://schemas.openxmlformats.org/presentationml/2006/main">
   <p:cSld>
     <p:spTree>
       <p:nvGrpSpPr>
@@ -24053,14 +24145,6 @@
               </a:rPr>
               <a:t>2. Class Diagram</a:t>
             </a:r>
-            <a:endParaRPr lang="en-US" altLang="ko-KR" sz="3600" b="1" i="1">
-              <a:solidFill>
-                <a:prstClr val="black">
-                  <a:lumMod val="65000"/>
-                  <a:lumOff val="35000"/>
-                </a:prstClr>
-              </a:solidFill>
-            </a:endParaRPr>
           </a:p>
           <a:p>
             <a:pPr lvl="0">
@@ -24068,7 +24152,7 @@
             </a:pPr>
             <a:endParaRPr lang="en-US" altLang="ko-KR" sz="2000" b="1" i="1">
               <a:solidFill>
-                <a:srgbClr val="ff0066"/>
+                <a:srgbClr val="FF0066"/>
               </a:solidFill>
               <a:latin typeface="UD Digi Kyokasho NK-B"/>
               <a:ea typeface="UD Digi Kyokasho NK-B"/>
@@ -24091,7 +24175,7 @@
             <a:avLst/>
           </a:prstGeom>
           <a:solidFill>
-            <a:srgbClr val="e8eff4"/>
+            <a:srgbClr val="E8EFF4"/>
           </a:solidFill>
           <a:ln>
             <a:noFill/>
@@ -24143,7 +24227,7 @@
             <a:avLst/>
           </a:prstGeom>
           <a:solidFill>
-            <a:srgbClr val="e8eff4"/>
+            <a:srgbClr val="E8EFF4"/>
           </a:solidFill>
           <a:ln>
             <a:noFill/>
@@ -24195,7 +24279,7 @@
             <a:avLst/>
           </a:prstGeom>
           <a:solidFill>
-            <a:srgbClr val="e8eff4"/>
+            <a:srgbClr val="E8EFF4"/>
           </a:solidFill>
           <a:ln>
             <a:noFill/>
@@ -24234,7 +24318,7 @@
       </p:sp>
       <p:pic>
         <p:nvPicPr>
-          <p:cNvPr id="1031" name=""/>
+          <p:cNvPr id="1031" name="그림 1030"/>
           <p:cNvPicPr>
             <a:picLocks noChangeAspect="1"/>
           </p:cNvPicPr>
@@ -24258,7 +24342,7 @@
       </p:pic>
       <p:pic>
         <p:nvPicPr>
-          <p:cNvPr id="1033" name=""/>
+          <p:cNvPr id="1033" name="그림 1032"/>
           <p:cNvPicPr>
             <a:picLocks noChangeAspect="1"/>
           </p:cNvPicPr>
@@ -24282,7 +24366,7 @@
       </p:pic>
       <p:sp>
         <p:nvSpPr>
-          <p:cNvPr id="1042" name=""/>
+          <p:cNvPr id="1042" name="직사각형 1041"/>
           <p:cNvSpPr/>
           <p:nvPr/>
         </p:nvSpPr>
@@ -24295,7 +24379,7 @@
             <a:avLst/>
           </a:prstGeom>
           <a:solidFill>
-            <a:srgbClr val="0000ff">
+            <a:srgbClr val="0000FF">
               <a:alpha val="31000"/>
             </a:srgbClr>
           </a:solidFill>
@@ -24332,7 +24416,7 @@
       </p:sp>
       <p:sp>
         <p:nvSpPr>
-          <p:cNvPr id="1045" name=""/>
+          <p:cNvPr id="1045" name="직사각형 1044"/>
           <p:cNvSpPr/>
           <p:nvPr/>
         </p:nvSpPr>
@@ -24345,7 +24429,7 @@
             <a:avLst/>
           </a:prstGeom>
           <a:solidFill>
-            <a:srgbClr val="0000ff">
+            <a:srgbClr val="0000FF">
               <a:alpha val="31000"/>
             </a:srgbClr>
           </a:solidFill>
@@ -24382,7 +24466,7 @@
       </p:sp>
       <p:sp>
         <p:nvSpPr>
-          <p:cNvPr id="1046" name=""/>
+          <p:cNvPr id="1046" name="직사각형 1045"/>
           <p:cNvSpPr/>
           <p:nvPr/>
         </p:nvSpPr>
@@ -24395,7 +24479,7 @@
             <a:avLst/>
           </a:prstGeom>
           <a:solidFill>
-            <a:srgbClr val="0000ff">
+            <a:srgbClr val="0000FF">
               <a:alpha val="31000"/>
             </a:srgbClr>
           </a:solidFill>
@@ -24432,7 +24516,7 @@
       </p:sp>
       <p:sp>
         <p:nvSpPr>
-          <p:cNvPr id="1047" name=""/>
+          <p:cNvPr id="1047" name="직사각형 1046"/>
           <p:cNvSpPr/>
           <p:nvPr/>
         </p:nvSpPr>
@@ -24445,7 +24529,7 @@
             <a:avLst/>
           </a:prstGeom>
           <a:solidFill>
-            <a:srgbClr val="0000ff">
+            <a:srgbClr val="0000FF">
               <a:alpha val="31000"/>
             </a:srgbClr>
           </a:solidFill>
@@ -24482,7 +24566,7 @@
       </p:sp>
       <p:sp>
         <p:nvSpPr>
-          <p:cNvPr id="1048" name=""/>
+          <p:cNvPr id="1048" name="직사각형 1047"/>
           <p:cNvSpPr/>
           <p:nvPr/>
         </p:nvSpPr>
@@ -24495,7 +24579,7 @@
             <a:avLst/>
           </a:prstGeom>
           <a:solidFill>
-            <a:srgbClr val="0000ff">
+            <a:srgbClr val="0000FF">
               <a:alpha val="31000"/>
             </a:srgbClr>
           </a:solidFill>
@@ -24535,13 +24619,13 @@
   <p:clrMapOvr>
     <a:masterClrMapping/>
   </p:clrMapOvr>
-  <mc:AlternateContent xmlns:mc="http://schemas.openxmlformats.org/markup-compatibility/2006">
-    <mc:Choice xmlns:p14="http://schemas.microsoft.com/office/powerpoint/2010/main" Requires="p14">
-      <p:transition xmlns:mc="http://schemas.openxmlformats.org/markup-compatibility/2006" xmlns:p14="http://schemas.microsoft.com/office/powerpoint/2010/main" spd="med" mc:Ignorable="p14" p14:dur="1000">
+  <mc:AlternateContent xmlns:mc="http://schemas.openxmlformats.org/markup-compatibility/2006" xmlns:p14="http://schemas.microsoft.com/office/powerpoint/2010/main">
+    <mc:Choice Requires="p14">
+      <p:transition spd="slow">
         <p:push dir="u"/>
       </p:transition>
     </mc:Choice>
-    <mc:Fallback>
+    <mc:Fallback xmlns:dsp="http://schemas.microsoft.com/office/drawing/2008/diagram" xmlns:dgm="http://schemas.openxmlformats.org/drawingml/2006/diagram" xmlns:c="http://schemas.openxmlformats.org/drawingml/2006/chart" xmlns="">
       <p:transition xmlns:mc="http://schemas.openxmlformats.org/markup-compatibility/2006" xmlns:hp="http://schemas.haansoft.com/office/presentation/8.0" spd="med" mc:Ignorable="hp" hp:hslDur="1000">
         <p:fade/>
       </p:transition>
@@ -24551,7 +24635,7 @@
 </file>
 
 <file path=ppt/slides/slide8.xml><?xml version="1.0" encoding="utf-8"?>
-<p:sld xmlns:r="http://schemas.openxmlformats.org/officeDocument/2006/relationships" xmlns:c="http://schemas.openxmlformats.org/drawingml/2006/chart" xmlns:a="http://schemas.openxmlformats.org/drawingml/2006/main" xmlns:dgm="http://schemas.openxmlformats.org/drawingml/2006/diagram" xmlns:dsp="http://schemas.microsoft.com/office/drawing/2008/diagram" xmlns:p="http://schemas.openxmlformats.org/presentationml/2006/main">
+<p:sld xmlns:a="http://schemas.openxmlformats.org/drawingml/2006/main" xmlns:r="http://schemas.openxmlformats.org/officeDocument/2006/relationships" xmlns:p="http://schemas.openxmlformats.org/presentationml/2006/main">
   <p:cSld>
     <p:spTree>
       <p:nvGrpSpPr>
@@ -24602,14 +24686,6 @@
               </a:rPr>
               <a:t>2. Class Diagram</a:t>
             </a:r>
-            <a:endParaRPr lang="en-US" altLang="ko-KR" sz="3600" b="1" i="1">
-              <a:solidFill>
-                <a:prstClr val="black">
-                  <a:lumMod val="65000"/>
-                  <a:lumOff val="35000"/>
-                </a:prstClr>
-              </a:solidFill>
-            </a:endParaRPr>
           </a:p>
           <a:p>
             <a:pPr lvl="0">
@@ -24617,7 +24693,7 @@
             </a:pPr>
             <a:endParaRPr lang="en-US" altLang="ko-KR" sz="2000" b="1" i="1">
               <a:solidFill>
-                <a:srgbClr val="ff0066"/>
+                <a:srgbClr val="FF0066"/>
               </a:solidFill>
               <a:latin typeface="UD Digi Kyokasho NK-B"/>
               <a:ea typeface="UD Digi Kyokasho NK-B"/>
@@ -24640,7 +24716,7 @@
             <a:avLst/>
           </a:prstGeom>
           <a:solidFill>
-            <a:srgbClr val="e8eff4"/>
+            <a:srgbClr val="E8EFF4"/>
           </a:solidFill>
           <a:ln>
             <a:noFill/>
@@ -24692,7 +24768,7 @@
             <a:avLst/>
           </a:prstGeom>
           <a:solidFill>
-            <a:srgbClr val="e8eff4"/>
+            <a:srgbClr val="E8EFF4"/>
           </a:solidFill>
           <a:ln>
             <a:noFill/>
@@ -24744,7 +24820,7 @@
             <a:avLst/>
           </a:prstGeom>
           <a:solidFill>
-            <a:srgbClr val="e8eff4"/>
+            <a:srgbClr val="E8EFF4"/>
           </a:solidFill>
           <a:ln>
             <a:noFill/>
@@ -24783,7 +24859,7 @@
       </p:sp>
       <p:pic>
         <p:nvPicPr>
-          <p:cNvPr id="1031" name=""/>
+          <p:cNvPr id="1031" name="그림 1030"/>
           <p:cNvPicPr>
             <a:picLocks noChangeAspect="1"/>
           </p:cNvPicPr>
@@ -24807,7 +24883,7 @@
       </p:pic>
       <p:pic>
         <p:nvPicPr>
-          <p:cNvPr id="1033" name=""/>
+          <p:cNvPr id="1033" name="그림 1032"/>
           <p:cNvPicPr>
             <a:picLocks noChangeAspect="1"/>
           </p:cNvPicPr>
@@ -24831,7 +24907,7 @@
       </p:pic>
       <p:sp>
         <p:nvSpPr>
-          <p:cNvPr id="1045" name=""/>
+          <p:cNvPr id="1045" name="직사각형 1044"/>
           <p:cNvSpPr/>
           <p:nvPr/>
         </p:nvSpPr>
@@ -24844,7 +24920,7 @@
             <a:avLst/>
           </a:prstGeom>
           <a:solidFill>
-            <a:srgbClr val="ff0000">
+            <a:srgbClr val="FF0000">
               <a:alpha val="31000"/>
             </a:srgbClr>
           </a:solidFill>
@@ -24881,7 +24957,7 @@
       </p:sp>
       <p:sp>
         <p:nvSpPr>
-          <p:cNvPr id="1050" name=""/>
+          <p:cNvPr id="1050" name="직사각형 1049"/>
           <p:cNvSpPr/>
           <p:nvPr/>
         </p:nvSpPr>
@@ -24894,7 +24970,7 @@
             <a:avLst/>
           </a:prstGeom>
           <a:solidFill>
-            <a:srgbClr val="ff0000">
+            <a:srgbClr val="FF0000">
               <a:alpha val="31000"/>
             </a:srgbClr>
           </a:solidFill>
@@ -24931,7 +25007,7 @@
       </p:sp>
       <p:sp>
         <p:nvSpPr>
-          <p:cNvPr id="1051" name=""/>
+          <p:cNvPr id="1051" name="직사각형 1050"/>
           <p:cNvSpPr/>
           <p:nvPr/>
         </p:nvSpPr>
@@ -24944,7 +25020,7 @@
             <a:avLst/>
           </a:prstGeom>
           <a:solidFill>
-            <a:srgbClr val="ff0000">
+            <a:srgbClr val="FF0000">
               <a:alpha val="31000"/>
             </a:srgbClr>
           </a:solidFill>
@@ -24981,7 +25057,7 @@
       </p:sp>
       <p:sp>
         <p:nvSpPr>
-          <p:cNvPr id="1052" name=""/>
+          <p:cNvPr id="1052" name="직사각형 1051"/>
           <p:cNvSpPr/>
           <p:nvPr/>
         </p:nvSpPr>
@@ -24994,7 +25070,7 @@
             <a:avLst/>
           </a:prstGeom>
           <a:solidFill>
-            <a:srgbClr val="42c7f1">
+            <a:srgbClr val="42C7F1">
               <a:alpha val="31000"/>
             </a:srgbClr>
           </a:solidFill>
@@ -25031,7 +25107,7 @@
       </p:sp>
       <p:sp>
         <p:nvSpPr>
-          <p:cNvPr id="1053" name=""/>
+          <p:cNvPr id="1053" name="직사각형 1052"/>
           <p:cNvSpPr/>
           <p:nvPr/>
         </p:nvSpPr>
@@ -25044,7 +25120,7 @@
             <a:avLst/>
           </a:prstGeom>
           <a:solidFill>
-            <a:srgbClr val="42c7f1">
+            <a:srgbClr val="42C7F1">
               <a:alpha val="31000"/>
             </a:srgbClr>
           </a:solidFill>
@@ -25081,7 +25157,7 @@
       </p:sp>
       <p:sp>
         <p:nvSpPr>
-          <p:cNvPr id="1054" name=""/>
+          <p:cNvPr id="1054" name="직사각형 1053"/>
           <p:cNvSpPr/>
           <p:nvPr/>
         </p:nvSpPr>
@@ -25131,7 +25207,7 @@
       </p:sp>
       <p:sp>
         <p:nvSpPr>
-          <p:cNvPr id="1055" name=""/>
+          <p:cNvPr id="1055" name="직사각형 1054"/>
           <p:cNvSpPr/>
           <p:nvPr/>
         </p:nvSpPr>
@@ -25184,13 +25260,13 @@
   <p:clrMapOvr>
     <a:masterClrMapping/>
   </p:clrMapOvr>
-  <mc:AlternateContent xmlns:mc="http://schemas.openxmlformats.org/markup-compatibility/2006">
-    <mc:Choice xmlns:p14="http://schemas.microsoft.com/office/powerpoint/2010/main" Requires="p14">
-      <p:transition xmlns:mc="http://schemas.openxmlformats.org/markup-compatibility/2006" xmlns:p14="http://schemas.microsoft.com/office/powerpoint/2010/main" spd="med" mc:Ignorable="p14" p14:dur="1000">
+  <mc:AlternateContent xmlns:mc="http://schemas.openxmlformats.org/markup-compatibility/2006" xmlns:p14="http://schemas.microsoft.com/office/powerpoint/2010/main">
+    <mc:Choice Requires="p14">
+      <p:transition spd="slow">
         <p:push dir="u"/>
       </p:transition>
     </mc:Choice>
-    <mc:Fallback>
+    <mc:Fallback xmlns:dsp="http://schemas.microsoft.com/office/drawing/2008/diagram" xmlns:dgm="http://schemas.openxmlformats.org/drawingml/2006/diagram" xmlns:c="http://schemas.openxmlformats.org/drawingml/2006/chart" xmlns="">
       <p:transition xmlns:mc="http://schemas.openxmlformats.org/markup-compatibility/2006" xmlns:hp="http://schemas.haansoft.com/office/presentation/8.0" spd="med" mc:Ignorable="hp" hp:hslDur="1000">
         <p:fade/>
       </p:transition>
@@ -25200,13 +25276,14 @@
 </file>
 
 <file path=ppt/slides/slide9.xml><?xml version="1.0" encoding="utf-8"?>
-<p:sld xmlns:r="http://schemas.openxmlformats.org/officeDocument/2006/relationships" xmlns:c="http://schemas.openxmlformats.org/drawingml/2006/chart" xmlns:a="http://schemas.openxmlformats.org/drawingml/2006/main" xmlns:dgm="http://schemas.openxmlformats.org/drawingml/2006/diagram" xmlns:dsp="http://schemas.microsoft.com/office/drawing/2008/diagram" xmlns:p="http://schemas.openxmlformats.org/presentationml/2006/main">
+<p:sld xmlns:a="http://schemas.openxmlformats.org/drawingml/2006/main" xmlns:r="http://schemas.openxmlformats.org/officeDocument/2006/relationships" xmlns:p="http://schemas.openxmlformats.org/presentationml/2006/main">
   <p:cSld>
     <p:bg>
-      <p:bgPr shadeToTitle="0">
+      <p:bgPr>
         <a:solidFill>
-          <a:srgbClr val="e8eff4"/>
+          <a:srgbClr val="E8EFF4"/>
         </a:solidFill>
+        <a:effectLst/>
       </p:bgPr>
     </p:bg>
     <p:spTree>
@@ -25306,23 +25383,12 @@
               </a:rPr>
               <a:t>응시원서 접수</a:t>
             </a:r>
-            <a:endParaRPr lang="ko-KR" altLang="en-US" sz="2000">
-              <a:solidFill>
-                <a:prstClr val="black">
-                  <a:lumMod val="65000"/>
-                  <a:lumOff val="35000"/>
-                </a:prstClr>
-              </a:solidFill>
-              <a:latin typeface="맑은 고딕"/>
-              <a:ea typeface="맑은 고딕"/>
-              <a:cs typeface="맑은 고딕"/>
-            </a:endParaRPr>
           </a:p>
         </p:txBody>
       </p:sp>
       <p:pic>
         <p:nvPicPr>
-          <p:cNvPr id="27" name=""/>
+          <p:cNvPr id="27" name="그림 26"/>
           <p:cNvPicPr>
             <a:picLocks noChangeAspect="1"/>
           </p:cNvPicPr>
@@ -25349,63 +25415,56 @@
   <p:clrMapOvr>
     <a:masterClrMapping/>
   </p:clrMapOvr>
-  <mc:AlternateContent xmlns:mc="http://schemas.openxmlformats.org/markup-compatibility/2006">
-    <mc:Choice xmlns:p14="http://schemas.microsoft.com/office/powerpoint/2010/main" Requires="p14">
-      <p:transition xmlns:mc="http://schemas.openxmlformats.org/markup-compatibility/2006" xmlns:p14="http://schemas.microsoft.com/office/powerpoint/2010/main" spd="med" mc:Ignorable="p14" p14:dur="1000"/>
+  <mc:AlternateContent xmlns:mc="http://schemas.openxmlformats.org/markup-compatibility/2006" xmlns:p14="http://schemas.microsoft.com/office/powerpoint/2010/main">
+    <mc:Choice Requires="p14">
+      <p:transition spd="slow"/>
     </mc:Choice>
-    <mc:Fallback>
+    <mc:Fallback xmlns:dsp="http://schemas.microsoft.com/office/drawing/2008/diagram" xmlns:dgm="http://schemas.openxmlformats.org/drawingml/2006/diagram" xmlns:c="http://schemas.openxmlformats.org/drawingml/2006/chart" xmlns="">
       <p:transition/>
     </mc:Fallback>
   </mc:AlternateContent>
-  <p:timing>
-    <p:tnLst>
-      <p:par>
-        <p:cTn id="1" dur="indefinite" restart="never" nodeType="tmRoot"/>
-      </p:par>
-    </p:tnLst>
-  </p:timing>
 </p:sld>
 </file>
 
 <file path=ppt/theme/theme1.xml><?xml version="1.0" encoding="utf-8"?>
-<a:theme xmlns:r="http://schemas.openxmlformats.org/officeDocument/2006/relationships" xmlns:c="http://schemas.openxmlformats.org/drawingml/2006/chart" xmlns:dgm="http://schemas.openxmlformats.org/drawingml/2006/diagram" xmlns:dsp="http://schemas.microsoft.com/office/drawing/2008/diagram" xmlns:a="http://schemas.openxmlformats.org/drawingml/2006/main" xmlns:pic="http://schemas.openxmlformats.org/drawingml/2006/picture" xmlns:wp="http://schemas.openxmlformats.org/drawingml/2006/wordprocessingDrawing" xmlns:xdr="http://schemas.openxmlformats.org/drawingml/2006/spreadsheetDrawing" xmlns:p="http://schemas.openxmlformats.org/presentationml/2006/main" name="Office 테마">
+<a:theme xmlns:a="http://schemas.openxmlformats.org/drawingml/2006/main" name="Office 테마">
   <a:themeElements>
     <a:clrScheme name="Office">
       <a:dk1>
         <a:sysClr val="windowText" lastClr="000000"/>
       </a:dk1>
       <a:lt1>
-        <a:sysClr val="window" lastClr="ffffff"/>
+        <a:sysClr val="window" lastClr="FFFFFF"/>
       </a:lt1>
       <a:dk2>
-        <a:srgbClr val="44546a"/>
+        <a:srgbClr val="44546A"/>
       </a:dk2>
       <a:lt2>
-        <a:srgbClr val="e7e6e6"/>
+        <a:srgbClr val="E7E6E6"/>
       </a:lt2>
       <a:accent1>
-        <a:srgbClr val="5b9bd5"/>
+        <a:srgbClr val="5B9BD5"/>
       </a:accent1>
       <a:accent2>
-        <a:srgbClr val="ed7d31"/>
+        <a:srgbClr val="ED7D31"/>
       </a:accent2>
       <a:accent3>
-        <a:srgbClr val="a5a5a5"/>
+        <a:srgbClr val="A5A5A5"/>
       </a:accent3>
       <a:accent4>
-        <a:srgbClr val="ffc000"/>
+        <a:srgbClr val="FFC000"/>
       </a:accent4>
       <a:accent5>
-        <a:srgbClr val="4472c4"/>
+        <a:srgbClr val="4472C4"/>
       </a:accent5>
       <a:accent6>
-        <a:srgbClr val="70ad47"/>
+        <a:srgbClr val="70AD47"/>
       </a:accent6>
       <a:hlink>
-        <a:srgbClr val="0563c1"/>
+        <a:srgbClr val="0563C1"/>
       </a:hlink>
       <a:folHlink>
-        <a:srgbClr val="954f72"/>
+        <a:srgbClr val="954F72"/>
       </a:folHlink>
     </a:clrScheme>
     <a:fontScheme name="Office">
@@ -25618,48 +25677,50 @@
       </a:bgFillStyleLst>
     </a:fmtScheme>
   </a:themeElements>
+  <a:objectDefaults/>
+  <a:extraClrSchemeLst/>
 </a:theme>
 </file>
 
 <file path=ppt/theme/theme2.xml><?xml version="1.0" encoding="utf-8"?>
-<a:theme xmlns:r="http://schemas.openxmlformats.org/officeDocument/2006/relationships" xmlns:c="http://schemas.openxmlformats.org/drawingml/2006/chart" xmlns:dgm="http://schemas.openxmlformats.org/drawingml/2006/diagram" xmlns:dsp="http://schemas.microsoft.com/office/drawing/2008/diagram" xmlns:a="http://schemas.openxmlformats.org/drawingml/2006/main" xmlns:pic="http://schemas.openxmlformats.org/drawingml/2006/picture" xmlns:wp="http://schemas.openxmlformats.org/drawingml/2006/wordprocessingDrawing" xmlns:xdr="http://schemas.openxmlformats.org/drawingml/2006/spreadsheetDrawing" xmlns:p="http://schemas.openxmlformats.org/presentationml/2006/main" name="2_Office 테마">
+<a:theme xmlns:a="http://schemas.openxmlformats.org/drawingml/2006/main" name="2_Office 테마">
   <a:themeElements>
     <a:clrScheme name="Office">
       <a:dk1>
         <a:sysClr val="windowText" lastClr="000000"/>
       </a:dk1>
       <a:lt1>
-        <a:sysClr val="window" lastClr="ffffff"/>
+        <a:sysClr val="window" lastClr="FFFFFF"/>
       </a:lt1>
       <a:dk2>
-        <a:srgbClr val="44546a"/>
+        <a:srgbClr val="44546A"/>
       </a:dk2>
       <a:lt2>
-        <a:srgbClr val="e7e6e6"/>
+        <a:srgbClr val="E7E6E6"/>
       </a:lt2>
       <a:accent1>
-        <a:srgbClr val="5b9bd5"/>
+        <a:srgbClr val="5B9BD5"/>
       </a:accent1>
       <a:accent2>
-        <a:srgbClr val="ed7d31"/>
+        <a:srgbClr val="ED7D31"/>
       </a:accent2>
       <a:accent3>
-        <a:srgbClr val="a5a5a5"/>
+        <a:srgbClr val="A5A5A5"/>
       </a:accent3>
       <a:accent4>
-        <a:srgbClr val="ffc000"/>
+        <a:srgbClr val="FFC000"/>
       </a:accent4>
       <a:accent5>
-        <a:srgbClr val="4472c4"/>
+        <a:srgbClr val="4472C4"/>
       </a:accent5>
       <a:accent6>
-        <a:srgbClr val="70ad47"/>
+        <a:srgbClr val="70AD47"/>
       </a:accent6>
       <a:hlink>
-        <a:srgbClr val="0563c1"/>
+        <a:srgbClr val="0563C1"/>
       </a:hlink>
       <a:folHlink>
-        <a:srgbClr val="954f72"/>
+        <a:srgbClr val="954F72"/>
       </a:folHlink>
     </a:clrScheme>
     <a:fontScheme name="Office">
@@ -25872,45 +25933,47 @@
       </a:bgFillStyleLst>
     </a:fmtScheme>
   </a:themeElements>
+  <a:objectDefaults/>
+  <a:extraClrSchemeLst/>
 </a:theme>
 </file>
 
 <file path=ppt/theme/theme3.xml><?xml version="1.0" encoding="utf-8"?>
-<a:theme xmlns:r="http://schemas.openxmlformats.org/officeDocument/2006/relationships" xmlns:c="http://schemas.openxmlformats.org/drawingml/2006/chart" xmlns:dgm="http://schemas.openxmlformats.org/drawingml/2006/diagram" xmlns:dsp="http://schemas.microsoft.com/office/drawing/2008/diagram" xmlns:a="http://schemas.openxmlformats.org/drawingml/2006/main" xmlns:pic="http://schemas.openxmlformats.org/drawingml/2006/picture" xmlns:wp="http://schemas.openxmlformats.org/drawingml/2006/wordprocessingDrawing" xmlns:xdr="http://schemas.openxmlformats.org/drawingml/2006/spreadsheetDrawing" xmlns:p="http://schemas.openxmlformats.org/presentationml/2006/main" name="Office 테마">
+<a:theme xmlns:a="http://schemas.openxmlformats.org/drawingml/2006/main" name="Office 테마">
   <a:themeElements>
     <a:clrScheme name="Office">
       <a:dk1>
         <a:sysClr val="windowText" lastClr="000000"/>
       </a:dk1>
       <a:lt1>
-        <a:sysClr val="window" lastClr="ffffff"/>
+        <a:sysClr val="window" lastClr="FFFFFF"/>
       </a:lt1>
       <a:dk2>
-        <a:srgbClr val="1f497d"/>
+        <a:srgbClr val="1F497D"/>
       </a:dk2>
       <a:lt2>
-        <a:srgbClr val="eeece1"/>
+        <a:srgbClr val="EEECE1"/>
       </a:lt2>
       <a:accent1>
-        <a:srgbClr val="4f81bd"/>
+        <a:srgbClr val="4F81BD"/>
       </a:accent1>
       <a:accent2>
-        <a:srgbClr val="c0504d"/>
+        <a:srgbClr val="C0504D"/>
       </a:accent2>
       <a:accent3>
-        <a:srgbClr val="9bbb59"/>
+        <a:srgbClr val="9BBB59"/>
       </a:accent3>
       <a:accent4>
-        <a:srgbClr val="8064a2"/>
+        <a:srgbClr val="8064A2"/>
       </a:accent4>
       <a:accent5>
-        <a:srgbClr val="4bacc6"/>
+        <a:srgbClr val="4BACC6"/>
       </a:accent5>
       <a:accent6>
-        <a:srgbClr val="f79646"/>
+        <a:srgbClr val="F79646"/>
       </a:accent6>
       <a:hlink>
-        <a:srgbClr val="0000ff"/>
+        <a:srgbClr val="0000FF"/>
       </a:hlink>
       <a:folHlink>
         <a:srgbClr val="800080"/>
@@ -26155,5 +26218,7 @@
       </a:bgFillStyleLst>
     </a:fmtScheme>
   </a:themeElements>
+  <a:objectDefaults/>
+  <a:extraClrSchemeLst/>
 </a:theme>
 </file>